--- a/Slides_MICRO55/6.vortex_hands_on.pptx
+++ b/Slides_MICRO55/6.vortex_hands_on.pptx
@@ -6,7 +6,7 @@
     <p:sldMasterId id="2147483661" r:id="rId5"/>
   </p:sldMasterIdLst>
   <p:notesMasterIdLst>
-    <p:notesMasterId r:id="rId17"/>
+    <p:notesMasterId r:id="rId20"/>
   </p:notesMasterIdLst>
   <p:sldIdLst>
     <p:sldId id="256" r:id="rId6"/>
@@ -20,6 +20,9 @@
     <p:sldId id="261" r:id="rId14"/>
     <p:sldId id="264" r:id="rId15"/>
     <p:sldId id="269" r:id="rId16"/>
+    <p:sldId id="271" r:id="rId17"/>
+    <p:sldId id="273" r:id="rId18"/>
+    <p:sldId id="272" r:id="rId19"/>
   </p:sldIdLst>
   <p:sldSz cx="12192000" cy="6858000"/>
   <p:notesSz cx="6858000" cy="9144000"/>
@@ -143,7 +146,7 @@
     <p1510:client id="{1B9E4225-9137-4066-8412-7EA928F9A5D1}" v="59" dt="2022-09-30T15:16:50.716"/>
     <p1510:client id="{206C3C4D-FFCC-49E6-8A89-D0CF573BD801}" v="159" dt="2022-10-01T00:07:14.642"/>
     <p1510:client id="{2482879D-BE30-4456-AEA9-B58D41480A0C}" v="93" dt="2022-09-30T14:58:21.271"/>
-    <p1510:client id="{7F8585C2-0A82-6D49-B807-9EBF156E5E1D}" v="3" dt="2022-09-30T18:35:56.817"/>
+    <p1510:client id="{7F8585C2-0A82-6D49-B807-9EBF156E5E1D}" v="11" dt="2022-10-01T12:06:17.655"/>
     <p1510:client id="{D8CF7F21-C409-4E2A-A5FD-E9249BDCFA34}" v="239" dt="2022-09-30T23:35:48.436"/>
   </p1510:revLst>
 </p1510:revInfo>
@@ -152,249 +155,23 @@
 <file path=ppt/changesInfos/changesInfo1.xml><?xml version="1.0" encoding="utf-8"?>
 <pc:chgInfo xmlns:a="http://schemas.openxmlformats.org/drawingml/2006/main" xmlns:r="http://schemas.openxmlformats.org/officeDocument/2006/relationships" xmlns:ac="http://schemas.microsoft.com/office/drawing/2013/main/command" xmlns:pc="http://schemas.microsoft.com/office/powerpoint/2013/main/command">
   <pc:docChgLst>
-    <pc:chgData name="Cooper, Liam P" userId="S::lcooper43@gatech.edu::c9ebb646-a5a5-4a14-8b6c-99f846e54c43" providerId="AD" clId="Web-{D8CF7F21-C409-4E2A-A5FD-E9249BDCFA34}"/>
+    <pc:chgData name="Cooper, Liam P" userId="S::lcooper43@gatech.edu::c9ebb646-a5a5-4a14-8b6c-99f846e54c43" providerId="AD" clId="Web-{6C832525-E5F8-440D-A1B4-E8331C7F49C7}"/>
     <pc:docChg chg="modSld">
-      <pc:chgData name="Cooper, Liam P" userId="S::lcooper43@gatech.edu::c9ebb646-a5a5-4a14-8b6c-99f846e54c43" providerId="AD" clId="Web-{D8CF7F21-C409-4E2A-A5FD-E9249BDCFA34}" dt="2022-09-30T23:35:48.436" v="235" actId="20577"/>
+      <pc:chgData name="Cooper, Liam P" userId="S::lcooper43@gatech.edu::c9ebb646-a5a5-4a14-8b6c-99f846e54c43" providerId="AD" clId="Web-{6C832525-E5F8-440D-A1B4-E8331C7F49C7}" dt="2021-10-17T23:46:22.125" v="0" actId="20577"/>
       <pc:docMkLst>
         <pc:docMk/>
       </pc:docMkLst>
       <pc:sldChg chg="modSp">
-        <pc:chgData name="Cooper, Liam P" userId="S::lcooper43@gatech.edu::c9ebb646-a5a5-4a14-8b6c-99f846e54c43" providerId="AD" clId="Web-{D8CF7F21-C409-4E2A-A5FD-E9249BDCFA34}" dt="2022-09-30T23:22:17.492" v="8" actId="20577"/>
+        <pc:chgData name="Cooper, Liam P" userId="S::lcooper43@gatech.edu::c9ebb646-a5a5-4a14-8b6c-99f846e54c43" providerId="AD" clId="Web-{6C832525-E5F8-440D-A1B4-E8331C7F49C7}" dt="2021-10-17T23:46:22.125" v="0" actId="20577"/>
         <pc:sldMkLst>
           <pc:docMk/>
-          <pc:sldMk cId="0" sldId="256"/>
+          <pc:sldMk cId="0" sldId="264"/>
         </pc:sldMkLst>
         <pc:spChg chg="mod">
-          <ac:chgData name="Cooper, Liam P" userId="S::lcooper43@gatech.edu::c9ebb646-a5a5-4a14-8b6c-99f846e54c43" providerId="AD" clId="Web-{D8CF7F21-C409-4E2A-A5FD-E9249BDCFA34}" dt="2022-09-30T23:22:17.492" v="8" actId="20577"/>
+          <ac:chgData name="Cooper, Liam P" userId="S::lcooper43@gatech.edu::c9ebb646-a5a5-4a14-8b6c-99f846e54c43" providerId="AD" clId="Web-{6C832525-E5F8-440D-A1B4-E8331C7F49C7}" dt="2021-10-17T23:46:22.125" v="0" actId="20577"/>
           <ac:spMkLst>
             <pc:docMk/>
-            <pc:sldMk cId="0" sldId="256"/>
-            <ac:spMk id="82" creationId="{00000000-0000-0000-0000-000000000000}"/>
-          </ac:spMkLst>
-        </pc:spChg>
-      </pc:sldChg>
-      <pc:sldChg chg="modSp">
-        <pc:chgData name="Cooper, Liam P" userId="S::lcooper43@gatech.edu::c9ebb646-a5a5-4a14-8b6c-99f846e54c43" providerId="AD" clId="Web-{D8CF7F21-C409-4E2A-A5FD-E9249BDCFA34}" dt="2022-09-30T23:35:48.436" v="235" actId="20577"/>
-        <pc:sldMkLst>
-          <pc:docMk/>
-          <pc:sldMk cId="895507812" sldId="266"/>
-        </pc:sldMkLst>
-        <pc:spChg chg="mod">
-          <ac:chgData name="Cooper, Liam P" userId="S::lcooper43@gatech.edu::c9ebb646-a5a5-4a14-8b6c-99f846e54c43" providerId="AD" clId="Web-{D8CF7F21-C409-4E2A-A5FD-E9249BDCFA34}" dt="2022-09-30T23:30:12.723" v="131" actId="20577"/>
-          <ac:spMkLst>
-            <pc:docMk/>
-            <pc:sldMk cId="895507812" sldId="266"/>
-            <ac:spMk id="83" creationId="{00000000-0000-0000-0000-000000000000}"/>
-          </ac:spMkLst>
-        </pc:spChg>
-        <pc:spChg chg="mod">
-          <ac:chgData name="Cooper, Liam P" userId="S::lcooper43@gatech.edu::c9ebb646-a5a5-4a14-8b6c-99f846e54c43" providerId="AD" clId="Web-{D8CF7F21-C409-4E2A-A5FD-E9249BDCFA34}" dt="2022-09-30T23:35:48.436" v="235" actId="20577"/>
-          <ac:spMkLst>
-            <pc:docMk/>
-            <pc:sldMk cId="895507812" sldId="266"/>
-            <ac:spMk id="85" creationId="{00000000-0000-0000-0000-000000000000}"/>
-          </ac:spMkLst>
-        </pc:spChg>
-      </pc:sldChg>
-      <pc:sldChg chg="modSp">
-        <pc:chgData name="Cooper, Liam P" userId="S::lcooper43@gatech.edu::c9ebb646-a5a5-4a14-8b6c-99f846e54c43" providerId="AD" clId="Web-{D8CF7F21-C409-4E2A-A5FD-E9249BDCFA34}" dt="2022-09-30T23:29:27.347" v="121" actId="20577"/>
-        <pc:sldMkLst>
-          <pc:docMk/>
-          <pc:sldMk cId="1581591787" sldId="267"/>
-        </pc:sldMkLst>
-        <pc:spChg chg="mod">
-          <ac:chgData name="Cooper, Liam P" userId="S::lcooper43@gatech.edu::c9ebb646-a5a5-4a14-8b6c-99f846e54c43" providerId="AD" clId="Web-{D8CF7F21-C409-4E2A-A5FD-E9249BDCFA34}" dt="2022-09-30T23:29:27.347" v="121" actId="20577"/>
-          <ac:spMkLst>
-            <pc:docMk/>
-            <pc:sldMk cId="1581591787" sldId="267"/>
-            <ac:spMk id="85" creationId="{00000000-0000-0000-0000-000000000000}"/>
-          </ac:spMkLst>
-        </pc:spChg>
-      </pc:sldChg>
-    </pc:docChg>
-  </pc:docChgLst>
-  <pc:docChgLst>
-    <pc:chgData name="Cooper, Liam P" userId="S::lcooper43@gatech.edu::c9ebb646-a5a5-4a14-8b6c-99f846e54c43" providerId="AD" clId="Web-{206C3C4D-FFCC-49E6-8A89-D0CF573BD801}"/>
-    <pc:docChg chg="modSld">
-      <pc:chgData name="Cooper, Liam P" userId="S::lcooper43@gatech.edu::c9ebb646-a5a5-4a14-8b6c-99f846e54c43" providerId="AD" clId="Web-{206C3C4D-FFCC-49E6-8A89-D0CF573BD801}" dt="2022-10-01T00:07:14.642" v="151" actId="20577"/>
-      <pc:docMkLst>
-        <pc:docMk/>
-      </pc:docMkLst>
-      <pc:sldChg chg="modSp">
-        <pc:chgData name="Cooper, Liam P" userId="S::lcooper43@gatech.edu::c9ebb646-a5a5-4a14-8b6c-99f846e54c43" providerId="AD" clId="Web-{206C3C4D-FFCC-49E6-8A89-D0CF573BD801}" dt="2022-09-30T23:39:39.888" v="20" actId="20577"/>
-        <pc:sldMkLst>
-          <pc:docMk/>
-          <pc:sldMk cId="0" sldId="256"/>
-        </pc:sldMkLst>
-        <pc:spChg chg="mod">
-          <ac:chgData name="Cooper, Liam P" userId="S::lcooper43@gatech.edu::c9ebb646-a5a5-4a14-8b6c-99f846e54c43" providerId="AD" clId="Web-{206C3C4D-FFCC-49E6-8A89-D0CF573BD801}" dt="2022-09-30T23:39:39.888" v="20" actId="20577"/>
-          <ac:spMkLst>
-            <pc:docMk/>
-            <pc:sldMk cId="0" sldId="256"/>
-            <ac:spMk id="82" creationId="{00000000-0000-0000-0000-000000000000}"/>
-          </ac:spMkLst>
-        </pc:spChg>
-      </pc:sldChg>
-      <pc:sldChg chg="modSp">
-        <pc:chgData name="Cooper, Liam P" userId="S::lcooper43@gatech.edu::c9ebb646-a5a5-4a14-8b6c-99f846e54c43" providerId="AD" clId="Web-{206C3C4D-FFCC-49E6-8A89-D0CF573BD801}" dt="2022-10-01T00:00:23.078" v="114" actId="20577"/>
-        <pc:sldMkLst>
-          <pc:docMk/>
-          <pc:sldMk cId="895507812" sldId="266"/>
-        </pc:sldMkLst>
-        <pc:spChg chg="mod">
-          <ac:chgData name="Cooper, Liam P" userId="S::lcooper43@gatech.edu::c9ebb646-a5a5-4a14-8b6c-99f846e54c43" providerId="AD" clId="Web-{206C3C4D-FFCC-49E6-8A89-D0CF573BD801}" dt="2022-10-01T00:00:23.078" v="114" actId="20577"/>
-          <ac:spMkLst>
-            <pc:docMk/>
-            <pc:sldMk cId="895507812" sldId="266"/>
-            <ac:spMk id="85" creationId="{00000000-0000-0000-0000-000000000000}"/>
-          </ac:spMkLst>
-        </pc:spChg>
-      </pc:sldChg>
-      <pc:sldChg chg="modSp">
-        <pc:chgData name="Cooper, Liam P" userId="S::lcooper43@gatech.edu::c9ebb646-a5a5-4a14-8b6c-99f846e54c43" providerId="AD" clId="Web-{206C3C4D-FFCC-49E6-8A89-D0CF573BD801}" dt="2022-10-01T00:07:14.642" v="151" actId="20577"/>
-        <pc:sldMkLst>
-          <pc:docMk/>
-          <pc:sldMk cId="1581591787" sldId="267"/>
-        </pc:sldMkLst>
-        <pc:spChg chg="mod">
-          <ac:chgData name="Cooper, Liam P" userId="S::lcooper43@gatech.edu::c9ebb646-a5a5-4a14-8b6c-99f846e54c43" providerId="AD" clId="Web-{206C3C4D-FFCC-49E6-8A89-D0CF573BD801}" dt="2022-09-30T23:56:38.553" v="111" actId="20577"/>
-          <ac:spMkLst>
-            <pc:docMk/>
-            <pc:sldMk cId="1581591787" sldId="267"/>
-            <ac:spMk id="83" creationId="{00000000-0000-0000-0000-000000000000}"/>
-          </ac:spMkLst>
-        </pc:spChg>
-        <pc:spChg chg="mod">
-          <ac:chgData name="Cooper, Liam P" userId="S::lcooper43@gatech.edu::c9ebb646-a5a5-4a14-8b6c-99f846e54c43" providerId="AD" clId="Web-{206C3C4D-FFCC-49E6-8A89-D0CF573BD801}" dt="2022-10-01T00:07:14.642" v="151" actId="20577"/>
-          <ac:spMkLst>
-            <pc:docMk/>
-            <pc:sldMk cId="1581591787" sldId="267"/>
-            <ac:spMk id="85" creationId="{00000000-0000-0000-0000-000000000000}"/>
-          </ac:spMkLst>
-        </pc:spChg>
-      </pc:sldChg>
-    </pc:docChg>
-  </pc:docChgLst>
-  <pc:docChgLst>
-    <pc:chgData name="Cooper, Liam P" userId="S::lcooper43@gatech.edu::c9ebb646-a5a5-4a14-8b6c-99f846e54c43" providerId="AD" clId="Web-{095E4714-8978-4152-994D-F3607A775445}"/>
-    <pc:docChg chg="modSld">
-      <pc:chgData name="Cooper, Liam P" userId="S::lcooper43@gatech.edu::c9ebb646-a5a5-4a14-8b6c-99f846e54c43" providerId="AD" clId="Web-{095E4714-8978-4152-994D-F3607A775445}" dt="2021-10-18T03:51:45.033" v="2" actId="20577"/>
-      <pc:docMkLst>
-        <pc:docMk/>
-      </pc:docMkLst>
-      <pc:sldChg chg="modSp">
-        <pc:chgData name="Cooper, Liam P" userId="S::lcooper43@gatech.edu::c9ebb646-a5a5-4a14-8b6c-99f846e54c43" providerId="AD" clId="Web-{095E4714-8978-4152-994D-F3607A775445}" dt="2021-10-18T03:51:45.033" v="2" actId="20577"/>
-        <pc:sldMkLst>
-          <pc:docMk/>
-          <pc:sldMk cId="0" sldId="257"/>
-        </pc:sldMkLst>
-        <pc:spChg chg="mod">
-          <ac:chgData name="Cooper, Liam P" userId="S::lcooper43@gatech.edu::c9ebb646-a5a5-4a14-8b6c-99f846e54c43" providerId="AD" clId="Web-{095E4714-8978-4152-994D-F3607A775445}" dt="2021-10-18T03:51:45.033" v="2" actId="20577"/>
-          <ac:spMkLst>
-            <pc:docMk/>
-            <pc:sldMk cId="0" sldId="257"/>
-            <ac:spMk id="85" creationId="{00000000-0000-0000-0000-000000000000}"/>
-          </ac:spMkLst>
-        </pc:spChg>
-      </pc:sldChg>
-    </pc:docChg>
-  </pc:docChgLst>
-  <pc:docChgLst>
-    <pc:chgData name="Cooper, Liam P" userId="S::lcooper43@gatech.edu::c9ebb646-a5a5-4a14-8b6c-99f846e54c43" providerId="AD" clId="Web-{EE8F9F56-BEF8-44C9-811D-630BDA323370}"/>
-    <pc:docChg chg="modSld sldOrd">
-      <pc:chgData name="Cooper, Liam P" userId="S::lcooper43@gatech.edu::c9ebb646-a5a5-4a14-8b6c-99f846e54c43" providerId="AD" clId="Web-{EE8F9F56-BEF8-44C9-811D-630BDA323370}" dt="2021-10-18T01:03:27.110" v="64" actId="20577"/>
-      <pc:docMkLst>
-        <pc:docMk/>
-      </pc:docMkLst>
-      <pc:sldChg chg="modSp">
-        <pc:chgData name="Cooper, Liam P" userId="S::lcooper43@gatech.edu::c9ebb646-a5a5-4a14-8b6c-99f846e54c43" providerId="AD" clId="Web-{EE8F9F56-BEF8-44C9-811D-630BDA323370}" dt="2021-10-18T00:45:55.419" v="37" actId="20577"/>
-        <pc:sldMkLst>
-          <pc:docMk/>
-          <pc:sldMk cId="0" sldId="257"/>
-        </pc:sldMkLst>
-        <pc:spChg chg="mod">
-          <ac:chgData name="Cooper, Liam P" userId="S::lcooper43@gatech.edu::c9ebb646-a5a5-4a14-8b6c-99f846e54c43" providerId="AD" clId="Web-{EE8F9F56-BEF8-44C9-811D-630BDA323370}" dt="2021-10-18T00:39:00.567" v="24" actId="20577"/>
-          <ac:spMkLst>
-            <pc:docMk/>
-            <pc:sldMk cId="0" sldId="257"/>
-            <ac:spMk id="83" creationId="{00000000-0000-0000-0000-000000000000}"/>
-          </ac:spMkLst>
-        </pc:spChg>
-        <pc:spChg chg="mod">
-          <ac:chgData name="Cooper, Liam P" userId="S::lcooper43@gatech.edu::c9ebb646-a5a5-4a14-8b6c-99f846e54c43" providerId="AD" clId="Web-{EE8F9F56-BEF8-44C9-811D-630BDA323370}" dt="2021-10-18T00:45:55.419" v="37" actId="20577"/>
-          <ac:spMkLst>
-            <pc:docMk/>
-            <pc:sldMk cId="0" sldId="257"/>
-            <ac:spMk id="85" creationId="{00000000-0000-0000-0000-000000000000}"/>
-          </ac:spMkLst>
-        </pc:spChg>
-      </pc:sldChg>
-      <pc:sldChg chg="modSp ord">
-        <pc:chgData name="Cooper, Liam P" userId="S::lcooper43@gatech.edu::c9ebb646-a5a5-4a14-8b6c-99f846e54c43" providerId="AD" clId="Web-{EE8F9F56-BEF8-44C9-811D-630BDA323370}" dt="2021-10-18T01:03:27.110" v="64" actId="20577"/>
-        <pc:sldMkLst>
-          <pc:docMk/>
-          <pc:sldMk cId="895507812" sldId="266"/>
-        </pc:sldMkLst>
-        <pc:spChg chg="mod">
-          <ac:chgData name="Cooper, Liam P" userId="S::lcooper43@gatech.edu::c9ebb646-a5a5-4a14-8b6c-99f846e54c43" providerId="AD" clId="Web-{EE8F9F56-BEF8-44C9-811D-630BDA323370}" dt="2021-10-18T00:33:11.635" v="14" actId="20577"/>
-          <ac:spMkLst>
-            <pc:docMk/>
-            <pc:sldMk cId="895507812" sldId="266"/>
-            <ac:spMk id="83" creationId="{00000000-0000-0000-0000-000000000000}"/>
-          </ac:spMkLst>
-        </pc:spChg>
-        <pc:spChg chg="mod">
-          <ac:chgData name="Cooper, Liam P" userId="S::lcooper43@gatech.edu::c9ebb646-a5a5-4a14-8b6c-99f846e54c43" providerId="AD" clId="Web-{EE8F9F56-BEF8-44C9-811D-630BDA323370}" dt="2021-10-18T01:03:27.110" v="64" actId="20577"/>
-          <ac:spMkLst>
-            <pc:docMk/>
-            <pc:sldMk cId="895507812" sldId="266"/>
-            <ac:spMk id="85" creationId="{00000000-0000-0000-0000-000000000000}"/>
-          </ac:spMkLst>
-        </pc:spChg>
-      </pc:sldChg>
-    </pc:docChg>
-  </pc:docChgLst>
-  <pc:docChgLst>
-    <pc:chgData name="Kim, Hyesoon" userId="S::hkim358@gatech.edu::0d5c111a-f023-452e-87f1-b54e58794be3" providerId="AD" clId="Web-{2482879D-BE30-4456-AEA9-B58D41480A0C}"/>
-    <pc:docChg chg="addSld delSld modSld">
-      <pc:chgData name="Kim, Hyesoon" userId="S::hkim358@gatech.edu::0d5c111a-f023-452e-87f1-b54e58794be3" providerId="AD" clId="Web-{2482879D-BE30-4456-AEA9-B58D41480A0C}" dt="2022-09-30T14:58:21.271" v="90" actId="20577"/>
-      <pc:docMkLst>
-        <pc:docMk/>
-      </pc:docMkLst>
-      <pc:sldChg chg="modSp new del">
-        <pc:chgData name="Kim, Hyesoon" userId="S::hkim358@gatech.edu::0d5c111a-f023-452e-87f1-b54e58794be3" providerId="AD" clId="Web-{2482879D-BE30-4456-AEA9-B58D41480A0C}" dt="2022-09-30T14:57:10" v="5"/>
-        <pc:sldMkLst>
-          <pc:docMk/>
-          <pc:sldMk cId="1835665826" sldId="268"/>
-        </pc:sldMkLst>
-        <pc:spChg chg="mod">
-          <ac:chgData name="Kim, Hyesoon" userId="S::hkim358@gatech.edu::0d5c111a-f023-452e-87f1-b54e58794be3" providerId="AD" clId="Web-{2482879D-BE30-4456-AEA9-B58D41480A0C}" dt="2022-09-30T14:56:56.796" v="2" actId="20577"/>
-          <ac:spMkLst>
-            <pc:docMk/>
-            <pc:sldMk cId="1835665826" sldId="268"/>
-            <ac:spMk id="2" creationId="{85119711-6B45-2F9E-880B-71851715810F}"/>
-          </ac:spMkLst>
-        </pc:spChg>
-      </pc:sldChg>
-      <pc:sldChg chg="modSp add replId">
-        <pc:chgData name="Kim, Hyesoon" userId="S::hkim358@gatech.edu::0d5c111a-f023-452e-87f1-b54e58794be3" providerId="AD" clId="Web-{2482879D-BE30-4456-AEA9-B58D41480A0C}" dt="2022-09-30T14:58:21.271" v="90" actId="20577"/>
-        <pc:sldMkLst>
-          <pc:docMk/>
-          <pc:sldMk cId="3263684365" sldId="269"/>
-        </pc:sldMkLst>
-        <pc:spChg chg="mod">
-          <ac:chgData name="Kim, Hyesoon" userId="S::hkim358@gatech.edu::0d5c111a-f023-452e-87f1-b54e58794be3" providerId="AD" clId="Web-{2482879D-BE30-4456-AEA9-B58D41480A0C}" dt="2022-09-30T14:57:08.094" v="4" actId="20577"/>
-          <ac:spMkLst>
-            <pc:docMk/>
-            <pc:sldMk cId="3263684365" sldId="269"/>
-            <ac:spMk id="91" creationId="{00000000-0000-0000-0000-000000000000}"/>
-          </ac:spMkLst>
-        </pc:spChg>
-        <pc:spChg chg="mod">
-          <ac:chgData name="Kim, Hyesoon" userId="S::hkim358@gatech.edu::0d5c111a-f023-452e-87f1-b54e58794be3" providerId="AD" clId="Web-{2482879D-BE30-4456-AEA9-B58D41480A0C}" dt="2022-09-30T14:58:21.271" v="90" actId="20577"/>
-          <ac:spMkLst>
-            <pc:docMk/>
-            <pc:sldMk cId="3263684365" sldId="269"/>
+            <pc:sldMk cId="0" sldId="264"/>
             <ac:spMk id="93" creationId="{00000000-0000-0000-0000-000000000000}"/>
           </ac:spMkLst>
         </pc:spChg>
@@ -501,35 +278,106 @@
     </pc:docChg>
   </pc:docChgLst>
   <pc:docChgLst>
-    <pc:chgData name="Cooper, Liam P" userId="S::lcooper43@gatech.edu::c9ebb646-a5a5-4a14-8b6c-99f846e54c43" providerId="AD" clId="Web-{9733837E-4CC1-4222-AD9A-2263865B2D32}"/>
+    <pc:chgData name="Cooper, Liam P" userId="S::lcooper43@gatech.edu::c9ebb646-a5a5-4a14-8b6c-99f846e54c43" providerId="AD" clId="Web-{095E4714-8978-4152-994D-F3607A775445}"/>
     <pc:docChg chg="modSld">
-      <pc:chgData name="Cooper, Liam P" userId="S::lcooper43@gatech.edu::c9ebb646-a5a5-4a14-8b6c-99f846e54c43" providerId="AD" clId="Web-{9733837E-4CC1-4222-AD9A-2263865B2D32}" dt="2021-10-18T01:39:02.135" v="122" actId="20577"/>
+      <pc:chgData name="Cooper, Liam P" userId="S::lcooper43@gatech.edu::c9ebb646-a5a5-4a14-8b6c-99f846e54c43" providerId="AD" clId="Web-{095E4714-8978-4152-994D-F3607A775445}" dt="2021-10-18T03:51:45.033" v="2" actId="20577"/>
       <pc:docMkLst>
         <pc:docMk/>
       </pc:docMkLst>
       <pc:sldChg chg="modSp">
-        <pc:chgData name="Cooper, Liam P" userId="S::lcooper43@gatech.edu::c9ebb646-a5a5-4a14-8b6c-99f846e54c43" providerId="AD" clId="Web-{9733837E-4CC1-4222-AD9A-2263865B2D32}" dt="2021-10-18T01:38:40.008" v="119" actId="20577"/>
+        <pc:chgData name="Cooper, Liam P" userId="S::lcooper43@gatech.edu::c9ebb646-a5a5-4a14-8b6c-99f846e54c43" providerId="AD" clId="Web-{095E4714-8978-4152-994D-F3607A775445}" dt="2021-10-18T03:51:45.033" v="2" actId="20577"/>
         <pc:sldMkLst>
           <pc:docMk/>
-          <pc:sldMk cId="0" sldId="258"/>
+          <pc:sldMk cId="0" sldId="257"/>
         </pc:sldMkLst>
         <pc:spChg chg="mod">
-          <ac:chgData name="Cooper, Liam P" userId="S::lcooper43@gatech.edu::c9ebb646-a5a5-4a14-8b6c-99f846e54c43" providerId="AD" clId="Web-{9733837E-4CC1-4222-AD9A-2263865B2D32}" dt="2021-10-18T01:38:40.008" v="119" actId="20577"/>
+          <ac:chgData name="Cooper, Liam P" userId="S::lcooper43@gatech.edu::c9ebb646-a5a5-4a14-8b6c-99f846e54c43" providerId="AD" clId="Web-{095E4714-8978-4152-994D-F3607A775445}" dt="2021-10-18T03:51:45.033" v="2" actId="20577"/>
           <ac:spMkLst>
             <pc:docMk/>
-            <pc:sldMk cId="0" sldId="258"/>
-            <ac:spMk id="89" creationId="{00000000-0000-0000-0000-000000000000}"/>
+            <pc:sldMk cId="0" sldId="257"/>
+            <ac:spMk id="85" creationId="{00000000-0000-0000-0000-000000000000}"/>
+          </ac:spMkLst>
+        </pc:spChg>
+      </pc:sldChg>
+    </pc:docChg>
+  </pc:docChgLst>
+  <pc:docChgLst>
+    <pc:chgData name="Cooper, Liam P" userId="S::lcooper43@gatech.edu::c9ebb646-a5a5-4a14-8b6c-99f846e54c43" providerId="AD" clId="Web-{206C3C4D-FFCC-49E6-8A89-D0CF573BD801}"/>
+    <pc:docChg chg="modSld">
+      <pc:chgData name="Cooper, Liam P" userId="S::lcooper43@gatech.edu::c9ebb646-a5a5-4a14-8b6c-99f846e54c43" providerId="AD" clId="Web-{206C3C4D-FFCC-49E6-8A89-D0CF573BD801}" dt="2022-10-01T00:07:14.642" v="151" actId="20577"/>
+      <pc:docMkLst>
+        <pc:docMk/>
+      </pc:docMkLst>
+      <pc:sldChg chg="modSp">
+        <pc:chgData name="Cooper, Liam P" userId="S::lcooper43@gatech.edu::c9ebb646-a5a5-4a14-8b6c-99f846e54c43" providerId="AD" clId="Web-{206C3C4D-FFCC-49E6-8A89-D0CF573BD801}" dt="2022-09-30T23:39:39.888" v="20" actId="20577"/>
+        <pc:sldMkLst>
+          <pc:docMk/>
+          <pc:sldMk cId="0" sldId="256"/>
+        </pc:sldMkLst>
+        <pc:spChg chg="mod">
+          <ac:chgData name="Cooper, Liam P" userId="S::lcooper43@gatech.edu::c9ebb646-a5a5-4a14-8b6c-99f846e54c43" providerId="AD" clId="Web-{206C3C4D-FFCC-49E6-8A89-D0CF573BD801}" dt="2022-09-30T23:39:39.888" v="20" actId="20577"/>
+          <ac:spMkLst>
+            <pc:docMk/>
+            <pc:sldMk cId="0" sldId="256"/>
+            <ac:spMk id="82" creationId="{00000000-0000-0000-0000-000000000000}"/>
           </ac:spMkLst>
         </pc:spChg>
       </pc:sldChg>
       <pc:sldChg chg="modSp">
-        <pc:chgData name="Cooper, Liam P" userId="S::lcooper43@gatech.edu::c9ebb646-a5a5-4a14-8b6c-99f846e54c43" providerId="AD" clId="Web-{9733837E-4CC1-4222-AD9A-2263865B2D32}" dt="2021-10-18T01:38:48.962" v="120" actId="20577"/>
+        <pc:chgData name="Cooper, Liam P" userId="S::lcooper43@gatech.edu::c9ebb646-a5a5-4a14-8b6c-99f846e54c43" providerId="AD" clId="Web-{206C3C4D-FFCC-49E6-8A89-D0CF573BD801}" dt="2022-10-01T00:00:23.078" v="114" actId="20577"/>
+        <pc:sldMkLst>
+          <pc:docMk/>
+          <pc:sldMk cId="895507812" sldId="266"/>
+        </pc:sldMkLst>
+        <pc:spChg chg="mod">
+          <ac:chgData name="Cooper, Liam P" userId="S::lcooper43@gatech.edu::c9ebb646-a5a5-4a14-8b6c-99f846e54c43" providerId="AD" clId="Web-{206C3C4D-FFCC-49E6-8A89-D0CF573BD801}" dt="2022-10-01T00:00:23.078" v="114" actId="20577"/>
+          <ac:spMkLst>
+            <pc:docMk/>
+            <pc:sldMk cId="895507812" sldId="266"/>
+            <ac:spMk id="85" creationId="{00000000-0000-0000-0000-000000000000}"/>
+          </ac:spMkLst>
+        </pc:spChg>
+      </pc:sldChg>
+      <pc:sldChg chg="modSp">
+        <pc:chgData name="Cooper, Liam P" userId="S::lcooper43@gatech.edu::c9ebb646-a5a5-4a14-8b6c-99f846e54c43" providerId="AD" clId="Web-{206C3C4D-FFCC-49E6-8A89-D0CF573BD801}" dt="2022-10-01T00:07:14.642" v="151" actId="20577"/>
+        <pc:sldMkLst>
+          <pc:docMk/>
+          <pc:sldMk cId="1581591787" sldId="267"/>
+        </pc:sldMkLst>
+        <pc:spChg chg="mod">
+          <ac:chgData name="Cooper, Liam P" userId="S::lcooper43@gatech.edu::c9ebb646-a5a5-4a14-8b6c-99f846e54c43" providerId="AD" clId="Web-{206C3C4D-FFCC-49E6-8A89-D0CF573BD801}" dt="2022-09-30T23:56:38.553" v="111" actId="20577"/>
+          <ac:spMkLst>
+            <pc:docMk/>
+            <pc:sldMk cId="1581591787" sldId="267"/>
+            <ac:spMk id="83" creationId="{00000000-0000-0000-0000-000000000000}"/>
+          </ac:spMkLst>
+        </pc:spChg>
+        <pc:spChg chg="mod">
+          <ac:chgData name="Cooper, Liam P" userId="S::lcooper43@gatech.edu::c9ebb646-a5a5-4a14-8b6c-99f846e54c43" providerId="AD" clId="Web-{206C3C4D-FFCC-49E6-8A89-D0CF573BD801}" dt="2022-10-01T00:07:14.642" v="151" actId="20577"/>
+          <ac:spMkLst>
+            <pc:docMk/>
+            <pc:sldMk cId="1581591787" sldId="267"/>
+            <ac:spMk id="85" creationId="{00000000-0000-0000-0000-000000000000}"/>
+          </ac:spMkLst>
+        </pc:spChg>
+      </pc:sldChg>
+    </pc:docChg>
+  </pc:docChgLst>
+  <pc:docChgLst>
+    <pc:chgData name="Kim, Hyesoon" userId="S::hkim358@gatech.edu::0d5c111a-f023-452e-87f1-b54e58794be3" providerId="AD" clId="Web-{2C367D7B-9FFC-4D6F-95D1-AECEBC4C09A1}"/>
+    <pc:docChg chg="delSld modSld">
+      <pc:chgData name="Kim, Hyesoon" userId="S::hkim358@gatech.edu::0d5c111a-f023-452e-87f1-b54e58794be3" providerId="AD" clId="Web-{2C367D7B-9FFC-4D6F-95D1-AECEBC4C09A1}" dt="2021-10-17T20:21:35.365" v="215" actId="20577"/>
+      <pc:docMkLst>
+        <pc:docMk/>
+      </pc:docMkLst>
+      <pc:sldChg chg="modSp">
+        <pc:chgData name="Kim, Hyesoon" userId="S::hkim358@gatech.edu::0d5c111a-f023-452e-87f1-b54e58794be3" providerId="AD" clId="Web-{2C367D7B-9FFC-4D6F-95D1-AECEBC4C09A1}" dt="2021-10-17T20:20:22.878" v="184" actId="20577"/>
         <pc:sldMkLst>
           <pc:docMk/>
           <pc:sldMk cId="0" sldId="259"/>
         </pc:sldMkLst>
         <pc:spChg chg="mod">
-          <ac:chgData name="Cooper, Liam P" userId="S::lcooper43@gatech.edu::c9ebb646-a5a5-4a14-8b6c-99f846e54c43" providerId="AD" clId="Web-{9733837E-4CC1-4222-AD9A-2263865B2D32}" dt="2021-10-18T01:38:48.962" v="120" actId="20577"/>
+          <ac:chgData name="Kim, Hyesoon" userId="S::hkim358@gatech.edu::0d5c111a-f023-452e-87f1-b54e58794be3" providerId="AD" clId="Web-{2C367D7B-9FFC-4D6F-95D1-AECEBC4C09A1}" dt="2021-10-17T20:20:22.878" v="184" actId="20577"/>
           <ac:spMkLst>
             <pc:docMk/>
             <pc:sldMk cId="0" sldId="259"/>
@@ -538,13 +386,13 @@
         </pc:spChg>
       </pc:sldChg>
       <pc:sldChg chg="modSp">
-        <pc:chgData name="Cooper, Liam P" userId="S::lcooper43@gatech.edu::c9ebb646-a5a5-4a14-8b6c-99f846e54c43" providerId="AD" clId="Web-{9733837E-4CC1-4222-AD9A-2263865B2D32}" dt="2021-10-18T01:39:02.135" v="122" actId="20577"/>
+        <pc:chgData name="Kim, Hyesoon" userId="S::hkim358@gatech.edu::0d5c111a-f023-452e-87f1-b54e58794be3" providerId="AD" clId="Web-{2C367D7B-9FFC-4D6F-95D1-AECEBC4C09A1}" dt="2021-10-17T20:21:14.005" v="205" actId="20577"/>
         <pc:sldMkLst>
           <pc:docMk/>
           <pc:sldMk cId="0" sldId="261"/>
         </pc:sldMkLst>
         <pc:spChg chg="mod">
-          <ac:chgData name="Cooper, Liam P" userId="S::lcooper43@gatech.edu::c9ebb646-a5a5-4a14-8b6c-99f846e54c43" providerId="AD" clId="Web-{9733837E-4CC1-4222-AD9A-2263865B2D32}" dt="2021-10-18T01:39:02.135" v="122" actId="20577"/>
+          <ac:chgData name="Kim, Hyesoon" userId="S::hkim358@gatech.edu::0d5c111a-f023-452e-87f1-b54e58794be3" providerId="AD" clId="Web-{2C367D7B-9FFC-4D6F-95D1-AECEBC4C09A1}" dt="2021-10-17T20:21:14.005" v="205" actId="20577"/>
           <ac:spMkLst>
             <pc:docMk/>
             <pc:sldMk cId="0" sldId="261"/>
@@ -552,22 +400,21 @@
           </ac:spMkLst>
         </pc:spChg>
       </pc:sldChg>
-      <pc:sldChg chg="addSp modSp">
-        <pc:chgData name="Cooper, Liam P" userId="S::lcooper43@gatech.edu::c9ebb646-a5a5-4a14-8b6c-99f846e54c43" providerId="AD" clId="Web-{9733837E-4CC1-4222-AD9A-2263865B2D32}" dt="2021-10-18T01:38:08.225" v="116" actId="1076"/>
+      <pc:sldChg chg="del">
+        <pc:chgData name="Kim, Hyesoon" userId="S::hkim358@gatech.edu::0d5c111a-f023-452e-87f1-b54e58794be3" providerId="AD" clId="Web-{2C367D7B-9FFC-4D6F-95D1-AECEBC4C09A1}" dt="2021-10-17T20:13:32.130" v="135"/>
+        <pc:sldMkLst>
+          <pc:docMk/>
+          <pc:sldMk cId="0" sldId="262"/>
+        </pc:sldMkLst>
+      </pc:sldChg>
+      <pc:sldChg chg="modSp">
+        <pc:chgData name="Kim, Hyesoon" userId="S::hkim358@gatech.edu::0d5c111a-f023-452e-87f1-b54e58794be3" providerId="AD" clId="Web-{2C367D7B-9FFC-4D6F-95D1-AECEBC4C09A1}" dt="2021-10-17T20:20:35.785" v="187" actId="20577"/>
         <pc:sldMkLst>
           <pc:docMk/>
           <pc:sldMk cId="0" sldId="263"/>
         </pc:sldMkLst>
-        <pc:spChg chg="add mod">
-          <ac:chgData name="Cooper, Liam P" userId="S::lcooper43@gatech.edu::c9ebb646-a5a5-4a14-8b6c-99f846e54c43" providerId="AD" clId="Web-{9733837E-4CC1-4222-AD9A-2263865B2D32}" dt="2021-10-18T01:38:08.225" v="116" actId="1076"/>
-          <ac:spMkLst>
-            <pc:docMk/>
-            <pc:sldMk cId="0" sldId="263"/>
-            <ac:spMk id="2" creationId="{DA5897AC-BC62-459A-8A74-4539AF0C3C57}"/>
-          </ac:spMkLst>
-        </pc:spChg>
         <pc:spChg chg="mod">
-          <ac:chgData name="Cooper, Liam P" userId="S::lcooper43@gatech.edu::c9ebb646-a5a5-4a14-8b6c-99f846e54c43" providerId="AD" clId="Web-{9733837E-4CC1-4222-AD9A-2263865B2D32}" dt="2021-10-18T01:29:00.261" v="53" actId="20577"/>
+          <ac:chgData name="Kim, Hyesoon" userId="S::hkim358@gatech.edu::0d5c111a-f023-452e-87f1-b54e58794be3" providerId="AD" clId="Web-{2C367D7B-9FFC-4D6F-95D1-AECEBC4C09A1}" dt="2021-10-17T20:20:35.785" v="187" actId="20577"/>
           <ac:spMkLst>
             <pc:docMk/>
             <pc:sldMk cId="0" sldId="263"/>
@@ -576,13 +423,75 @@
         </pc:spChg>
       </pc:sldChg>
       <pc:sldChg chg="modSp">
-        <pc:chgData name="Cooper, Liam P" userId="S::lcooper43@gatech.edu::c9ebb646-a5a5-4a14-8b6c-99f846e54c43" providerId="AD" clId="Web-{9733837E-4CC1-4222-AD9A-2263865B2D32}" dt="2021-10-18T01:25:11.512" v="34" actId="20577"/>
+        <pc:chgData name="Kim, Hyesoon" userId="S::hkim358@gatech.edu::0d5c111a-f023-452e-87f1-b54e58794be3" providerId="AD" clId="Web-{2C367D7B-9FFC-4D6F-95D1-AECEBC4C09A1}" dt="2021-10-17T20:21:35.365" v="215" actId="20577"/>
+        <pc:sldMkLst>
+          <pc:docMk/>
+          <pc:sldMk cId="0" sldId="264"/>
+        </pc:sldMkLst>
+        <pc:spChg chg="mod">
+          <ac:chgData name="Kim, Hyesoon" userId="S::hkim358@gatech.edu::0d5c111a-f023-452e-87f1-b54e58794be3" providerId="AD" clId="Web-{2C367D7B-9FFC-4D6F-95D1-AECEBC4C09A1}" dt="2021-10-17T20:21:35.365" v="215" actId="20577"/>
+          <ac:spMkLst>
+            <pc:docMk/>
+            <pc:sldMk cId="0" sldId="264"/>
+            <ac:spMk id="91" creationId="{00000000-0000-0000-0000-000000000000}"/>
+          </ac:spMkLst>
+        </pc:spChg>
+      </pc:sldChg>
+      <pc:sldChg chg="del">
+        <pc:chgData name="Kim, Hyesoon" userId="S::hkim358@gatech.edu::0d5c111a-f023-452e-87f1-b54e58794be3" providerId="AD" clId="Web-{2C367D7B-9FFC-4D6F-95D1-AECEBC4C09A1}" dt="2021-10-17T20:13:26.708" v="134"/>
+        <pc:sldMkLst>
+          <pc:docMk/>
+          <pc:sldMk cId="3158471362" sldId="267"/>
+        </pc:sldMkLst>
+      </pc:sldChg>
+    </pc:docChg>
+  </pc:docChgLst>
+  <pc:docChgLst>
+    <pc:chgData name="Cooper, Liam P" userId="S::lcooper43@gatech.edu::c9ebb646-a5a5-4a14-8b6c-99f846e54c43" providerId="AD" clId="Web-{EE8F9F56-BEF8-44C9-811D-630BDA323370}"/>
+    <pc:docChg chg="modSld sldOrd">
+      <pc:chgData name="Cooper, Liam P" userId="S::lcooper43@gatech.edu::c9ebb646-a5a5-4a14-8b6c-99f846e54c43" providerId="AD" clId="Web-{EE8F9F56-BEF8-44C9-811D-630BDA323370}" dt="2021-10-18T01:03:27.110" v="64" actId="20577"/>
+      <pc:docMkLst>
+        <pc:docMk/>
+      </pc:docMkLst>
+      <pc:sldChg chg="modSp">
+        <pc:chgData name="Cooper, Liam P" userId="S::lcooper43@gatech.edu::c9ebb646-a5a5-4a14-8b6c-99f846e54c43" providerId="AD" clId="Web-{EE8F9F56-BEF8-44C9-811D-630BDA323370}" dt="2021-10-18T00:45:55.419" v="37" actId="20577"/>
+        <pc:sldMkLst>
+          <pc:docMk/>
+          <pc:sldMk cId="0" sldId="257"/>
+        </pc:sldMkLst>
+        <pc:spChg chg="mod">
+          <ac:chgData name="Cooper, Liam P" userId="S::lcooper43@gatech.edu::c9ebb646-a5a5-4a14-8b6c-99f846e54c43" providerId="AD" clId="Web-{EE8F9F56-BEF8-44C9-811D-630BDA323370}" dt="2021-10-18T00:39:00.567" v="24" actId="20577"/>
+          <ac:spMkLst>
+            <pc:docMk/>
+            <pc:sldMk cId="0" sldId="257"/>
+            <ac:spMk id="83" creationId="{00000000-0000-0000-0000-000000000000}"/>
+          </ac:spMkLst>
+        </pc:spChg>
+        <pc:spChg chg="mod">
+          <ac:chgData name="Cooper, Liam P" userId="S::lcooper43@gatech.edu::c9ebb646-a5a5-4a14-8b6c-99f846e54c43" providerId="AD" clId="Web-{EE8F9F56-BEF8-44C9-811D-630BDA323370}" dt="2021-10-18T00:45:55.419" v="37" actId="20577"/>
+          <ac:spMkLst>
+            <pc:docMk/>
+            <pc:sldMk cId="0" sldId="257"/>
+            <ac:spMk id="85" creationId="{00000000-0000-0000-0000-000000000000}"/>
+          </ac:spMkLst>
+        </pc:spChg>
+      </pc:sldChg>
+      <pc:sldChg chg="modSp ord">
+        <pc:chgData name="Cooper, Liam P" userId="S::lcooper43@gatech.edu::c9ebb646-a5a5-4a14-8b6c-99f846e54c43" providerId="AD" clId="Web-{EE8F9F56-BEF8-44C9-811D-630BDA323370}" dt="2021-10-18T01:03:27.110" v="64" actId="20577"/>
         <pc:sldMkLst>
           <pc:docMk/>
           <pc:sldMk cId="895507812" sldId="266"/>
         </pc:sldMkLst>
         <pc:spChg chg="mod">
-          <ac:chgData name="Cooper, Liam P" userId="S::lcooper43@gatech.edu::c9ebb646-a5a5-4a14-8b6c-99f846e54c43" providerId="AD" clId="Web-{9733837E-4CC1-4222-AD9A-2263865B2D32}" dt="2021-10-18T01:25:11.512" v="34" actId="20577"/>
+          <ac:chgData name="Cooper, Liam P" userId="S::lcooper43@gatech.edu::c9ebb646-a5a5-4a14-8b6c-99f846e54c43" providerId="AD" clId="Web-{EE8F9F56-BEF8-44C9-811D-630BDA323370}" dt="2021-10-18T00:33:11.635" v="14" actId="20577"/>
+          <ac:spMkLst>
+            <pc:docMk/>
+            <pc:sldMk cId="895507812" sldId="266"/>
+            <ac:spMk id="83" creationId="{00000000-0000-0000-0000-000000000000}"/>
+          </ac:spMkLst>
+        </pc:spChg>
+        <pc:spChg chg="mod">
+          <ac:chgData name="Cooper, Liam P" userId="S::lcooper43@gatech.edu::c9ebb646-a5a5-4a14-8b6c-99f846e54c43" providerId="AD" clId="Web-{EE8F9F56-BEF8-44C9-811D-630BDA323370}" dt="2021-10-18T01:03:27.110" v="64" actId="20577"/>
           <ac:spMkLst>
             <pc:docMk/>
             <pc:sldMk cId="895507812" sldId="266"/>
@@ -595,22 +504,60 @@
   <pc:docChgLst>
     <pc:chgData name="Kim, Hyesoon" userId="0d5c111a-f023-452e-87f1-b54e58794be3" providerId="ADAL" clId="{7F8585C2-0A82-6D49-B807-9EBF156E5E1D}"/>
     <pc:docChg chg="undo custSel addSld delSld modSld delMainMaster">
-      <pc:chgData name="Kim, Hyesoon" userId="0d5c111a-f023-452e-87f1-b54e58794be3" providerId="ADAL" clId="{7F8585C2-0A82-6D49-B807-9EBF156E5E1D}" dt="2022-09-30T18:36:32.237" v="54" actId="20577"/>
+      <pc:chgData name="Kim, Hyesoon" userId="0d5c111a-f023-452e-87f1-b54e58794be3" providerId="ADAL" clId="{7F8585C2-0A82-6D49-B807-9EBF156E5E1D}" dt="2022-10-01T12:06:17.654" v="802" actId="20577"/>
       <pc:docMkLst>
         <pc:docMk/>
       </pc:docMkLst>
       <pc:sldChg chg="modSp mod">
-        <pc:chgData name="Kim, Hyesoon" userId="0d5c111a-f023-452e-87f1-b54e58794be3" providerId="ADAL" clId="{7F8585C2-0A82-6D49-B807-9EBF156E5E1D}" dt="2022-09-30T18:36:32.237" v="54" actId="20577"/>
+        <pc:chgData name="Kim, Hyesoon" userId="0d5c111a-f023-452e-87f1-b54e58794be3" providerId="ADAL" clId="{7F8585C2-0A82-6D49-B807-9EBF156E5E1D}" dt="2022-10-01T10:44:17.714" v="55" actId="20577"/>
+        <pc:sldMkLst>
+          <pc:docMk/>
+          <pc:sldMk cId="0" sldId="257"/>
+        </pc:sldMkLst>
+        <pc:spChg chg="mod">
+          <ac:chgData name="Kim, Hyesoon" userId="0d5c111a-f023-452e-87f1-b54e58794be3" providerId="ADAL" clId="{7F8585C2-0A82-6D49-B807-9EBF156E5E1D}" dt="2022-10-01T10:44:17.714" v="55" actId="20577"/>
+          <ac:spMkLst>
+            <pc:docMk/>
+            <pc:sldMk cId="0" sldId="257"/>
+            <ac:spMk id="83" creationId="{00000000-0000-0000-0000-000000000000}"/>
+          </ac:spMkLst>
+        </pc:spChg>
+      </pc:sldChg>
+      <pc:sldChg chg="modSp mod">
+        <pc:chgData name="Kim, Hyesoon" userId="0d5c111a-f023-452e-87f1-b54e58794be3" providerId="ADAL" clId="{7F8585C2-0A82-6D49-B807-9EBF156E5E1D}" dt="2022-10-01T11:55:22.056" v="223" actId="20577"/>
         <pc:sldMkLst>
           <pc:docMk/>
           <pc:sldMk cId="0" sldId="263"/>
         </pc:sldMkLst>
+        <pc:spChg chg="mod">
+          <ac:chgData name="Kim, Hyesoon" userId="0d5c111a-f023-452e-87f1-b54e58794be3" providerId="ADAL" clId="{7F8585C2-0A82-6D49-B807-9EBF156E5E1D}" dt="2022-10-01T11:55:22.056" v="223" actId="20577"/>
+          <ac:spMkLst>
+            <pc:docMk/>
+            <pc:sldMk cId="0" sldId="263"/>
+            <ac:spMk id="2" creationId="{DA5897AC-BC62-459A-8A74-4539AF0C3C57}"/>
+          </ac:spMkLst>
+        </pc:spChg>
         <pc:spChg chg="mod">
           <ac:chgData name="Kim, Hyesoon" userId="0d5c111a-f023-452e-87f1-b54e58794be3" providerId="ADAL" clId="{7F8585C2-0A82-6D49-B807-9EBF156E5E1D}" dt="2022-09-30T18:36:32.237" v="54" actId="20577"/>
           <ac:spMkLst>
             <pc:docMk/>
             <pc:sldMk cId="0" sldId="263"/>
             <ac:spMk id="83" creationId="{00000000-0000-0000-0000-000000000000}"/>
+          </ac:spMkLst>
+        </pc:spChg>
+      </pc:sldChg>
+      <pc:sldChg chg="modSp mod">
+        <pc:chgData name="Kim, Hyesoon" userId="0d5c111a-f023-452e-87f1-b54e58794be3" providerId="ADAL" clId="{7F8585C2-0A82-6D49-B807-9EBF156E5E1D}" dt="2022-10-01T11:56:55.132" v="341" actId="20577"/>
+        <pc:sldMkLst>
+          <pc:docMk/>
+          <pc:sldMk cId="3263684365" sldId="269"/>
+        </pc:sldMkLst>
+        <pc:spChg chg="mod">
+          <ac:chgData name="Kim, Hyesoon" userId="0d5c111a-f023-452e-87f1-b54e58794be3" providerId="ADAL" clId="{7F8585C2-0A82-6D49-B807-9EBF156E5E1D}" dt="2022-10-01T11:56:55.132" v="341" actId="20577"/>
+          <ac:spMkLst>
+            <pc:docMk/>
+            <pc:sldMk cId="3263684365" sldId="269"/>
+            <ac:spMk id="93" creationId="{00000000-0000-0000-0000-000000000000}"/>
           </ac:spMkLst>
         </pc:spChg>
       </pc:sldChg>
@@ -627,6 +574,114 @@
           <pc:docMk/>
           <pc:sldMk cId="640723958" sldId="270"/>
         </pc:sldMkLst>
+      </pc:sldChg>
+      <pc:sldChg chg="addSp delSp modSp new del mod modClrScheme chgLayout">
+        <pc:chgData name="Kim, Hyesoon" userId="0d5c111a-f023-452e-87f1-b54e58794be3" providerId="ADAL" clId="{7F8585C2-0A82-6D49-B807-9EBF156E5E1D}" dt="2022-10-01T11:57:54.376" v="375" actId="2696"/>
+        <pc:sldMkLst>
+          <pc:docMk/>
+          <pc:sldMk cId="2380385656" sldId="270"/>
+        </pc:sldMkLst>
+        <pc:spChg chg="del mod ord">
+          <ac:chgData name="Kim, Hyesoon" userId="0d5c111a-f023-452e-87f1-b54e58794be3" providerId="ADAL" clId="{7F8585C2-0A82-6D49-B807-9EBF156E5E1D}" dt="2022-10-01T11:57:16.773" v="347" actId="700"/>
+          <ac:spMkLst>
+            <pc:docMk/>
+            <pc:sldMk cId="2380385656" sldId="270"/>
+            <ac:spMk id="2" creationId="{D954A3C8-A8E2-88AD-DCA6-6127663566B7}"/>
+          </ac:spMkLst>
+        </pc:spChg>
+        <pc:spChg chg="del mod">
+          <ac:chgData name="Kim, Hyesoon" userId="0d5c111a-f023-452e-87f1-b54e58794be3" providerId="ADAL" clId="{7F8585C2-0A82-6D49-B807-9EBF156E5E1D}" dt="2022-10-01T11:57:16.773" v="347" actId="700"/>
+          <ac:spMkLst>
+            <pc:docMk/>
+            <pc:sldMk cId="2380385656" sldId="270"/>
+            <ac:spMk id="3" creationId="{61CAD82E-16DC-9491-8560-DC6E75EC3DDB}"/>
+          </ac:spMkLst>
+        </pc:spChg>
+        <pc:spChg chg="add mod ord">
+          <ac:chgData name="Kim, Hyesoon" userId="0d5c111a-f023-452e-87f1-b54e58794be3" providerId="ADAL" clId="{7F8585C2-0A82-6D49-B807-9EBF156E5E1D}" dt="2022-10-01T11:57:16.773" v="347" actId="700"/>
+          <ac:spMkLst>
+            <pc:docMk/>
+            <pc:sldMk cId="2380385656" sldId="270"/>
+            <ac:spMk id="4" creationId="{9C583483-27DD-669A-AF45-19988D272869}"/>
+          </ac:spMkLst>
+        </pc:spChg>
+        <pc:spChg chg="add mod">
+          <ac:chgData name="Kim, Hyesoon" userId="0d5c111a-f023-452e-87f1-b54e58794be3" providerId="ADAL" clId="{7F8585C2-0A82-6D49-B807-9EBF156E5E1D}" dt="2022-10-01T11:57:16.773" v="347" actId="700"/>
+          <ac:spMkLst>
+            <pc:docMk/>
+            <pc:sldMk cId="2380385656" sldId="270"/>
+            <ac:spMk id="5" creationId="{58DCA0EA-D4A9-D661-7920-900644E80321}"/>
+          </ac:spMkLst>
+        </pc:spChg>
+      </pc:sldChg>
+      <pc:sldChg chg="addSp modSp add mod">
+        <pc:chgData name="Kim, Hyesoon" userId="0d5c111a-f023-452e-87f1-b54e58794be3" providerId="ADAL" clId="{7F8585C2-0A82-6D49-B807-9EBF156E5E1D}" dt="2022-10-01T12:05:36.934" v="719" actId="14"/>
+        <pc:sldMkLst>
+          <pc:docMk/>
+          <pc:sldMk cId="633566540" sldId="271"/>
+        </pc:sldMkLst>
+        <pc:spChg chg="add mod">
+          <ac:chgData name="Kim, Hyesoon" userId="0d5c111a-f023-452e-87f1-b54e58794be3" providerId="ADAL" clId="{7F8585C2-0A82-6D49-B807-9EBF156E5E1D}" dt="2022-10-01T12:05:36.934" v="719" actId="14"/>
+          <ac:spMkLst>
+            <pc:docMk/>
+            <pc:sldMk cId="633566540" sldId="271"/>
+            <ac:spMk id="2" creationId="{35685528-2AEA-51D5-6C36-E6026C03F777}"/>
+          </ac:spMkLst>
+        </pc:spChg>
+        <pc:spChg chg="mod">
+          <ac:chgData name="Kim, Hyesoon" userId="0d5c111a-f023-452e-87f1-b54e58794be3" providerId="ADAL" clId="{7F8585C2-0A82-6D49-B807-9EBF156E5E1D}" dt="2022-10-01T11:57:47.742" v="373" actId="20577"/>
+          <ac:spMkLst>
+            <pc:docMk/>
+            <pc:sldMk cId="633566540" sldId="271"/>
+            <ac:spMk id="91" creationId="{00000000-0000-0000-0000-000000000000}"/>
+          </ac:spMkLst>
+        </pc:spChg>
+        <pc:spChg chg="mod">
+          <ac:chgData name="Kim, Hyesoon" userId="0d5c111a-f023-452e-87f1-b54e58794be3" providerId="ADAL" clId="{7F8585C2-0A82-6D49-B807-9EBF156E5E1D}" dt="2022-10-01T11:57:51.138" v="374" actId="20577"/>
+          <ac:spMkLst>
+            <pc:docMk/>
+            <pc:sldMk cId="633566540" sldId="271"/>
+            <ac:spMk id="93" creationId="{00000000-0000-0000-0000-000000000000}"/>
+          </ac:spMkLst>
+        </pc:spChg>
+      </pc:sldChg>
+      <pc:sldChg chg="modSp add mod">
+        <pc:chgData name="Kim, Hyesoon" userId="0d5c111a-f023-452e-87f1-b54e58794be3" providerId="ADAL" clId="{7F8585C2-0A82-6D49-B807-9EBF156E5E1D}" dt="2022-10-01T11:58:03.767" v="396" actId="20577"/>
+        <pc:sldMkLst>
+          <pc:docMk/>
+          <pc:sldMk cId="2038510651" sldId="272"/>
+        </pc:sldMkLst>
+        <pc:spChg chg="mod">
+          <ac:chgData name="Kim, Hyesoon" userId="0d5c111a-f023-452e-87f1-b54e58794be3" providerId="ADAL" clId="{7F8585C2-0A82-6D49-B807-9EBF156E5E1D}" dt="2022-10-01T11:58:03.767" v="396" actId="20577"/>
+          <ac:spMkLst>
+            <pc:docMk/>
+            <pc:sldMk cId="2038510651" sldId="272"/>
+            <ac:spMk id="91" creationId="{00000000-0000-0000-0000-000000000000}"/>
+          </ac:spMkLst>
+        </pc:spChg>
+      </pc:sldChg>
+      <pc:sldChg chg="modSp add mod">
+        <pc:chgData name="Kim, Hyesoon" userId="0d5c111a-f023-452e-87f1-b54e58794be3" providerId="ADAL" clId="{7F8585C2-0A82-6D49-B807-9EBF156E5E1D}" dt="2022-10-01T12:06:17.654" v="802" actId="20577"/>
+        <pc:sldMkLst>
+          <pc:docMk/>
+          <pc:sldMk cId="234970192" sldId="273"/>
+        </pc:sldMkLst>
+        <pc:spChg chg="mod">
+          <ac:chgData name="Kim, Hyesoon" userId="0d5c111a-f023-452e-87f1-b54e58794be3" providerId="ADAL" clId="{7F8585C2-0A82-6D49-B807-9EBF156E5E1D}" dt="2022-10-01T12:06:17.654" v="802" actId="20577"/>
+          <ac:spMkLst>
+            <pc:docMk/>
+            <pc:sldMk cId="234970192" sldId="273"/>
+            <ac:spMk id="2" creationId="{35685528-2AEA-51D5-6C36-E6026C03F777}"/>
+          </ac:spMkLst>
+        </pc:spChg>
+        <pc:spChg chg="mod">
+          <ac:chgData name="Kim, Hyesoon" userId="0d5c111a-f023-452e-87f1-b54e58794be3" providerId="ADAL" clId="{7F8585C2-0A82-6D49-B807-9EBF156E5E1D}" dt="2022-10-01T11:59:13.311" v="598" actId="20577"/>
+          <ac:spMkLst>
+            <pc:docMk/>
+            <pc:sldMk cId="234970192" sldId="273"/>
+            <ac:spMk id="91" creationId="{00000000-0000-0000-0000-000000000000}"/>
+          </ac:spMkLst>
+        </pc:spChg>
       </pc:sldChg>
       <pc:sldChg chg="modSp add del mod">
         <pc:chgData name="Kim, Hyesoon" userId="0d5c111a-f023-452e-87f1-b54e58794be3" providerId="ADAL" clId="{7F8585C2-0A82-6D49-B807-9EBF156E5E1D}" dt="2022-09-30T18:36:26.521" v="52" actId="2696"/>
@@ -757,110 +812,62 @@
     </pc:docChg>
   </pc:docChgLst>
   <pc:docChgLst>
-    <pc:chgData name="Cooper, Liam P" userId="S::lcooper43@gatech.edu::c9ebb646-a5a5-4a14-8b6c-99f846e54c43" providerId="AD" clId="Web-{EAEC9940-C916-4E78-A354-4AFCEF4342B9}"/>
-    <pc:docChg chg="addSld delSld modSld sldOrd">
-      <pc:chgData name="Cooper, Liam P" userId="S::lcooper43@gatech.edu::c9ebb646-a5a5-4a14-8b6c-99f846e54c43" providerId="AD" clId="Web-{EAEC9940-C916-4E78-A354-4AFCEF4342B9}" dt="2021-10-18T12:46:58.510" v="107" actId="20577"/>
-      <pc:docMkLst>
-        <pc:docMk/>
-      </pc:docMkLst>
-      <pc:sldChg chg="addSp delSp modSp ord">
-        <pc:chgData name="Cooper, Liam P" userId="S::lcooper43@gatech.edu::c9ebb646-a5a5-4a14-8b6c-99f846e54c43" providerId="AD" clId="Web-{EAEC9940-C916-4E78-A354-4AFCEF4342B9}" dt="2021-10-18T12:46:58.510" v="107" actId="20577"/>
-        <pc:sldMkLst>
-          <pc:docMk/>
-          <pc:sldMk cId="0" sldId="257"/>
-        </pc:sldMkLst>
-        <pc:spChg chg="mod">
-          <ac:chgData name="Cooper, Liam P" userId="S::lcooper43@gatech.edu::c9ebb646-a5a5-4a14-8b6c-99f846e54c43" providerId="AD" clId="Web-{EAEC9940-C916-4E78-A354-4AFCEF4342B9}" dt="2021-10-18T12:34:40.043" v="15" actId="20577"/>
-          <ac:spMkLst>
-            <pc:docMk/>
-            <pc:sldMk cId="0" sldId="257"/>
-            <ac:spMk id="83" creationId="{00000000-0000-0000-0000-000000000000}"/>
-          </ac:spMkLst>
-        </pc:spChg>
-        <pc:spChg chg="mod">
-          <ac:chgData name="Cooper, Liam P" userId="S::lcooper43@gatech.edu::c9ebb646-a5a5-4a14-8b6c-99f846e54c43" providerId="AD" clId="Web-{EAEC9940-C916-4E78-A354-4AFCEF4342B9}" dt="2021-10-18T12:46:58.510" v="107" actId="20577"/>
-          <ac:spMkLst>
-            <pc:docMk/>
-            <pc:sldMk cId="0" sldId="257"/>
-            <ac:spMk id="85" creationId="{00000000-0000-0000-0000-000000000000}"/>
-          </ac:spMkLst>
-        </pc:spChg>
-        <pc:spChg chg="add del mod">
-          <ac:chgData name="Cooper, Liam P" userId="S::lcooper43@gatech.edu::c9ebb646-a5a5-4a14-8b6c-99f846e54c43" providerId="AD" clId="Web-{EAEC9940-C916-4E78-A354-4AFCEF4342B9}" dt="2021-10-18T12:31:17.102" v="8"/>
-          <ac:spMkLst>
-            <pc:docMk/>
-            <pc:sldMk cId="0" sldId="257"/>
-            <ac:spMk id="86" creationId="{00000000-0000-0000-0000-000000000000}"/>
-          </ac:spMkLst>
-        </pc:spChg>
-      </pc:sldChg>
-      <pc:sldChg chg="add replId">
-        <pc:chgData name="Cooper, Liam P" userId="S::lcooper43@gatech.edu::c9ebb646-a5a5-4a14-8b6c-99f846e54c43" providerId="AD" clId="Web-{EAEC9940-C916-4E78-A354-4AFCEF4342B9}" dt="2021-10-18T12:28:37.005" v="2"/>
-        <pc:sldMkLst>
-          <pc:docMk/>
-          <pc:sldMk cId="1581591787" sldId="267"/>
-        </pc:sldMkLst>
-      </pc:sldChg>
-      <pc:sldChg chg="new del">
-        <pc:chgData name="Cooper, Liam P" userId="S::lcooper43@gatech.edu::c9ebb646-a5a5-4a14-8b6c-99f846e54c43" providerId="AD" clId="Web-{EAEC9940-C916-4E78-A354-4AFCEF4342B9}" dt="2021-10-18T12:28:32.974" v="1"/>
-        <pc:sldMkLst>
-          <pc:docMk/>
-          <pc:sldMk cId="1815908824" sldId="267"/>
-        </pc:sldMkLst>
-      </pc:sldChg>
-    </pc:docChg>
-  </pc:docChgLst>
-  <pc:docChgLst>
-    <pc:chgData name="Cooper, Liam P" userId="S::lcooper43@gatech.edu::c9ebb646-a5a5-4a14-8b6c-99f846e54c43" providerId="AD" clId="Web-{ACE352D7-87A0-4999-94A4-C912EC176C40}"/>
+    <pc:chgData name="Cooper, Liam P" userId="S::lcooper43@gatech.edu::c9ebb646-a5a5-4a14-8b6c-99f846e54c43" providerId="AD" clId="Web-{D8CF7F21-C409-4E2A-A5FD-E9249BDCFA34}"/>
     <pc:docChg chg="modSld">
-      <pc:chgData name="Cooper, Liam P" userId="S::lcooper43@gatech.edu::c9ebb646-a5a5-4a14-8b6c-99f846e54c43" providerId="AD" clId="Web-{ACE352D7-87A0-4999-94A4-C912EC176C40}" dt="2021-10-17T21:17:06.580" v="133" actId="20577"/>
+      <pc:chgData name="Cooper, Liam P" userId="S::lcooper43@gatech.edu::c9ebb646-a5a5-4a14-8b6c-99f846e54c43" providerId="AD" clId="Web-{D8CF7F21-C409-4E2A-A5FD-E9249BDCFA34}" dt="2022-09-30T23:35:48.436" v="235" actId="20577"/>
       <pc:docMkLst>
         <pc:docMk/>
       </pc:docMkLst>
       <pc:sldChg chg="modSp">
-        <pc:chgData name="Cooper, Liam P" userId="S::lcooper43@gatech.edu::c9ebb646-a5a5-4a14-8b6c-99f846e54c43" providerId="AD" clId="Web-{ACE352D7-87A0-4999-94A4-C912EC176C40}" dt="2021-10-17T21:17:06.580" v="133" actId="20577"/>
-        <pc:sldMkLst>
-          <pc:docMk/>
-          <pc:sldMk cId="0" sldId="264"/>
-        </pc:sldMkLst>
-        <pc:spChg chg="mod">
-          <ac:chgData name="Cooper, Liam P" userId="S::lcooper43@gatech.edu::c9ebb646-a5a5-4a14-8b6c-99f846e54c43" providerId="AD" clId="Web-{ACE352D7-87A0-4999-94A4-C912EC176C40}" dt="2021-10-17T20:58:32.950" v="37" actId="1076"/>
-          <ac:spMkLst>
-            <pc:docMk/>
-            <pc:sldMk cId="0" sldId="264"/>
-            <ac:spMk id="91" creationId="{00000000-0000-0000-0000-000000000000}"/>
-          </ac:spMkLst>
-        </pc:spChg>
-        <pc:spChg chg="mod">
-          <ac:chgData name="Cooper, Liam P" userId="S::lcooper43@gatech.edu::c9ebb646-a5a5-4a14-8b6c-99f846e54c43" providerId="AD" clId="Web-{ACE352D7-87A0-4999-94A4-C912EC176C40}" dt="2021-10-17T21:17:06.580" v="133" actId="20577"/>
-          <ac:spMkLst>
-            <pc:docMk/>
-            <pc:sldMk cId="0" sldId="264"/>
-            <ac:spMk id="93" creationId="{00000000-0000-0000-0000-000000000000}"/>
-          </ac:spMkLst>
-        </pc:spChg>
-      </pc:sldChg>
-    </pc:docChg>
-  </pc:docChgLst>
-  <pc:docChgLst>
-    <pc:chgData name="Kim, Hyesoon" userId="S::hkim358@gatech.edu::0d5c111a-f023-452e-87f1-b54e58794be3" providerId="AD" clId="Web-{1B9E4225-9137-4066-8412-7EA928F9A5D1}"/>
-    <pc:docChg chg="modSld">
-      <pc:chgData name="Kim, Hyesoon" userId="S::hkim358@gatech.edu::0d5c111a-f023-452e-87f1-b54e58794be3" providerId="AD" clId="Web-{1B9E4225-9137-4066-8412-7EA928F9A5D1}" dt="2022-09-30T15:16:50.388" v="56" actId="20577"/>
-      <pc:docMkLst>
-        <pc:docMk/>
-      </pc:docMkLst>
-      <pc:sldChg chg="modSp">
-        <pc:chgData name="Kim, Hyesoon" userId="S::hkim358@gatech.edu::0d5c111a-f023-452e-87f1-b54e58794be3" providerId="AD" clId="Web-{1B9E4225-9137-4066-8412-7EA928F9A5D1}" dt="2022-09-30T15:16:50.388" v="56" actId="20577"/>
+        <pc:chgData name="Cooper, Liam P" userId="S::lcooper43@gatech.edu::c9ebb646-a5a5-4a14-8b6c-99f846e54c43" providerId="AD" clId="Web-{D8CF7F21-C409-4E2A-A5FD-E9249BDCFA34}" dt="2022-09-30T23:22:17.492" v="8" actId="20577"/>
         <pc:sldMkLst>
           <pc:docMk/>
           <pc:sldMk cId="0" sldId="256"/>
         </pc:sldMkLst>
         <pc:spChg chg="mod">
-          <ac:chgData name="Kim, Hyesoon" userId="S::hkim358@gatech.edu::0d5c111a-f023-452e-87f1-b54e58794be3" providerId="AD" clId="Web-{1B9E4225-9137-4066-8412-7EA928F9A5D1}" dt="2022-09-30T15:16:50.388" v="56" actId="20577"/>
+          <ac:chgData name="Cooper, Liam P" userId="S::lcooper43@gatech.edu::c9ebb646-a5a5-4a14-8b6c-99f846e54c43" providerId="AD" clId="Web-{D8CF7F21-C409-4E2A-A5FD-E9249BDCFA34}" dt="2022-09-30T23:22:17.492" v="8" actId="20577"/>
           <ac:spMkLst>
             <pc:docMk/>
             <pc:sldMk cId="0" sldId="256"/>
             <ac:spMk id="82" creationId="{00000000-0000-0000-0000-000000000000}"/>
+          </ac:spMkLst>
+        </pc:spChg>
+      </pc:sldChg>
+      <pc:sldChg chg="modSp">
+        <pc:chgData name="Cooper, Liam P" userId="S::lcooper43@gatech.edu::c9ebb646-a5a5-4a14-8b6c-99f846e54c43" providerId="AD" clId="Web-{D8CF7F21-C409-4E2A-A5FD-E9249BDCFA34}" dt="2022-09-30T23:35:48.436" v="235" actId="20577"/>
+        <pc:sldMkLst>
+          <pc:docMk/>
+          <pc:sldMk cId="895507812" sldId="266"/>
+        </pc:sldMkLst>
+        <pc:spChg chg="mod">
+          <ac:chgData name="Cooper, Liam P" userId="S::lcooper43@gatech.edu::c9ebb646-a5a5-4a14-8b6c-99f846e54c43" providerId="AD" clId="Web-{D8CF7F21-C409-4E2A-A5FD-E9249BDCFA34}" dt="2022-09-30T23:30:12.723" v="131" actId="20577"/>
+          <ac:spMkLst>
+            <pc:docMk/>
+            <pc:sldMk cId="895507812" sldId="266"/>
+            <ac:spMk id="83" creationId="{00000000-0000-0000-0000-000000000000}"/>
+          </ac:spMkLst>
+        </pc:spChg>
+        <pc:spChg chg="mod">
+          <ac:chgData name="Cooper, Liam P" userId="S::lcooper43@gatech.edu::c9ebb646-a5a5-4a14-8b6c-99f846e54c43" providerId="AD" clId="Web-{D8CF7F21-C409-4E2A-A5FD-E9249BDCFA34}" dt="2022-09-30T23:35:48.436" v="235" actId="20577"/>
+          <ac:spMkLst>
+            <pc:docMk/>
+            <pc:sldMk cId="895507812" sldId="266"/>
+            <ac:spMk id="85" creationId="{00000000-0000-0000-0000-000000000000}"/>
+          </ac:spMkLst>
+        </pc:spChg>
+      </pc:sldChg>
+      <pc:sldChg chg="modSp">
+        <pc:chgData name="Cooper, Liam P" userId="S::lcooper43@gatech.edu::c9ebb646-a5a5-4a14-8b6c-99f846e54c43" providerId="AD" clId="Web-{D8CF7F21-C409-4E2A-A5FD-E9249BDCFA34}" dt="2022-09-30T23:29:27.347" v="121" actId="20577"/>
+        <pc:sldMkLst>
+          <pc:docMk/>
+          <pc:sldMk cId="1581591787" sldId="267"/>
+        </pc:sldMkLst>
+        <pc:spChg chg="mod">
+          <ac:chgData name="Cooper, Liam P" userId="S::lcooper43@gatech.edu::c9ebb646-a5a5-4a14-8b6c-99f846e54c43" providerId="AD" clId="Web-{D8CF7F21-C409-4E2A-A5FD-E9249BDCFA34}" dt="2022-09-30T23:29:27.347" v="121" actId="20577"/>
+          <ac:spMkLst>
+            <pc:docMk/>
+            <pc:sldMk cId="1581591787" sldId="267"/>
+            <ac:spMk id="85" creationId="{00000000-0000-0000-0000-000000000000}"/>
           </ac:spMkLst>
         </pc:spChg>
       </pc:sldChg>
@@ -922,20 +929,35 @@
     </pc:docChg>
   </pc:docChgLst>
   <pc:docChgLst>
-    <pc:chgData name="Kim, Hyesoon" userId="S::hkim358@gatech.edu::0d5c111a-f023-452e-87f1-b54e58794be3" providerId="AD" clId="Web-{2C367D7B-9FFC-4D6F-95D1-AECEBC4C09A1}"/>
-    <pc:docChg chg="delSld modSld">
-      <pc:chgData name="Kim, Hyesoon" userId="S::hkim358@gatech.edu::0d5c111a-f023-452e-87f1-b54e58794be3" providerId="AD" clId="Web-{2C367D7B-9FFC-4D6F-95D1-AECEBC4C09A1}" dt="2021-10-17T20:21:35.365" v="215" actId="20577"/>
+    <pc:chgData name="Cooper, Liam P" userId="S::lcooper43@gatech.edu::c9ebb646-a5a5-4a14-8b6c-99f846e54c43" providerId="AD" clId="Web-{9733837E-4CC1-4222-AD9A-2263865B2D32}"/>
+    <pc:docChg chg="modSld">
+      <pc:chgData name="Cooper, Liam P" userId="S::lcooper43@gatech.edu::c9ebb646-a5a5-4a14-8b6c-99f846e54c43" providerId="AD" clId="Web-{9733837E-4CC1-4222-AD9A-2263865B2D32}" dt="2021-10-18T01:39:02.135" v="122" actId="20577"/>
       <pc:docMkLst>
         <pc:docMk/>
       </pc:docMkLst>
       <pc:sldChg chg="modSp">
-        <pc:chgData name="Kim, Hyesoon" userId="S::hkim358@gatech.edu::0d5c111a-f023-452e-87f1-b54e58794be3" providerId="AD" clId="Web-{2C367D7B-9FFC-4D6F-95D1-AECEBC4C09A1}" dt="2021-10-17T20:20:22.878" v="184" actId="20577"/>
+        <pc:chgData name="Cooper, Liam P" userId="S::lcooper43@gatech.edu::c9ebb646-a5a5-4a14-8b6c-99f846e54c43" providerId="AD" clId="Web-{9733837E-4CC1-4222-AD9A-2263865B2D32}" dt="2021-10-18T01:38:40.008" v="119" actId="20577"/>
+        <pc:sldMkLst>
+          <pc:docMk/>
+          <pc:sldMk cId="0" sldId="258"/>
+        </pc:sldMkLst>
+        <pc:spChg chg="mod">
+          <ac:chgData name="Cooper, Liam P" userId="S::lcooper43@gatech.edu::c9ebb646-a5a5-4a14-8b6c-99f846e54c43" providerId="AD" clId="Web-{9733837E-4CC1-4222-AD9A-2263865B2D32}" dt="2021-10-18T01:38:40.008" v="119" actId="20577"/>
+          <ac:spMkLst>
+            <pc:docMk/>
+            <pc:sldMk cId="0" sldId="258"/>
+            <ac:spMk id="89" creationId="{00000000-0000-0000-0000-000000000000}"/>
+          </ac:spMkLst>
+        </pc:spChg>
+      </pc:sldChg>
+      <pc:sldChg chg="modSp">
+        <pc:chgData name="Cooper, Liam P" userId="S::lcooper43@gatech.edu::c9ebb646-a5a5-4a14-8b6c-99f846e54c43" providerId="AD" clId="Web-{9733837E-4CC1-4222-AD9A-2263865B2D32}" dt="2021-10-18T01:38:48.962" v="120" actId="20577"/>
         <pc:sldMkLst>
           <pc:docMk/>
           <pc:sldMk cId="0" sldId="259"/>
         </pc:sldMkLst>
         <pc:spChg chg="mod">
-          <ac:chgData name="Kim, Hyesoon" userId="S::hkim358@gatech.edu::0d5c111a-f023-452e-87f1-b54e58794be3" providerId="AD" clId="Web-{2C367D7B-9FFC-4D6F-95D1-AECEBC4C09A1}" dt="2021-10-17T20:20:22.878" v="184" actId="20577"/>
+          <ac:chgData name="Cooper, Liam P" userId="S::lcooper43@gatech.edu::c9ebb646-a5a5-4a14-8b6c-99f846e54c43" providerId="AD" clId="Web-{9733837E-4CC1-4222-AD9A-2263865B2D32}" dt="2021-10-18T01:38:48.962" v="120" actId="20577"/>
           <ac:spMkLst>
             <pc:docMk/>
             <pc:sldMk cId="0" sldId="259"/>
@@ -944,13 +966,13 @@
         </pc:spChg>
       </pc:sldChg>
       <pc:sldChg chg="modSp">
-        <pc:chgData name="Kim, Hyesoon" userId="S::hkim358@gatech.edu::0d5c111a-f023-452e-87f1-b54e58794be3" providerId="AD" clId="Web-{2C367D7B-9FFC-4D6F-95D1-AECEBC4C09A1}" dt="2021-10-17T20:21:14.005" v="205" actId="20577"/>
+        <pc:chgData name="Cooper, Liam P" userId="S::lcooper43@gatech.edu::c9ebb646-a5a5-4a14-8b6c-99f846e54c43" providerId="AD" clId="Web-{9733837E-4CC1-4222-AD9A-2263865B2D32}" dt="2021-10-18T01:39:02.135" v="122" actId="20577"/>
         <pc:sldMkLst>
           <pc:docMk/>
           <pc:sldMk cId="0" sldId="261"/>
         </pc:sldMkLst>
         <pc:spChg chg="mod">
-          <ac:chgData name="Kim, Hyesoon" userId="S::hkim358@gatech.edu::0d5c111a-f023-452e-87f1-b54e58794be3" providerId="AD" clId="Web-{2C367D7B-9FFC-4D6F-95D1-AECEBC4C09A1}" dt="2021-10-17T20:21:14.005" v="205" actId="20577"/>
+          <ac:chgData name="Cooper, Liam P" userId="S::lcooper43@gatech.edu::c9ebb646-a5a5-4a14-8b6c-99f846e54c43" providerId="AD" clId="Web-{9733837E-4CC1-4222-AD9A-2263865B2D32}" dt="2021-10-18T01:39:02.135" v="122" actId="20577"/>
           <ac:spMkLst>
             <pc:docMk/>
             <pc:sldMk cId="0" sldId="261"/>
@@ -958,21 +980,22 @@
           </ac:spMkLst>
         </pc:spChg>
       </pc:sldChg>
-      <pc:sldChg chg="del">
-        <pc:chgData name="Kim, Hyesoon" userId="S::hkim358@gatech.edu::0d5c111a-f023-452e-87f1-b54e58794be3" providerId="AD" clId="Web-{2C367D7B-9FFC-4D6F-95D1-AECEBC4C09A1}" dt="2021-10-17T20:13:32.130" v="135"/>
-        <pc:sldMkLst>
-          <pc:docMk/>
-          <pc:sldMk cId="0" sldId="262"/>
-        </pc:sldMkLst>
-      </pc:sldChg>
-      <pc:sldChg chg="modSp">
-        <pc:chgData name="Kim, Hyesoon" userId="S::hkim358@gatech.edu::0d5c111a-f023-452e-87f1-b54e58794be3" providerId="AD" clId="Web-{2C367D7B-9FFC-4D6F-95D1-AECEBC4C09A1}" dt="2021-10-17T20:20:35.785" v="187" actId="20577"/>
+      <pc:sldChg chg="addSp modSp">
+        <pc:chgData name="Cooper, Liam P" userId="S::lcooper43@gatech.edu::c9ebb646-a5a5-4a14-8b6c-99f846e54c43" providerId="AD" clId="Web-{9733837E-4CC1-4222-AD9A-2263865B2D32}" dt="2021-10-18T01:38:08.225" v="116" actId="1076"/>
         <pc:sldMkLst>
           <pc:docMk/>
           <pc:sldMk cId="0" sldId="263"/>
         </pc:sldMkLst>
+        <pc:spChg chg="add mod">
+          <ac:chgData name="Cooper, Liam P" userId="S::lcooper43@gatech.edu::c9ebb646-a5a5-4a14-8b6c-99f846e54c43" providerId="AD" clId="Web-{9733837E-4CC1-4222-AD9A-2263865B2D32}" dt="2021-10-18T01:38:08.225" v="116" actId="1076"/>
+          <ac:spMkLst>
+            <pc:docMk/>
+            <pc:sldMk cId="0" sldId="263"/>
+            <ac:spMk id="2" creationId="{DA5897AC-BC62-459A-8A74-4539AF0C3C57}"/>
+          </ac:spMkLst>
+        </pc:spChg>
         <pc:spChg chg="mod">
-          <ac:chgData name="Kim, Hyesoon" userId="S::hkim358@gatech.edu::0d5c111a-f023-452e-87f1-b54e58794be3" providerId="AD" clId="Web-{2C367D7B-9FFC-4D6F-95D1-AECEBC4C09A1}" dt="2021-10-17T20:20:35.785" v="187" actId="20577"/>
+          <ac:chgData name="Cooper, Liam P" userId="S::lcooper43@gatech.edu::c9ebb646-a5a5-4a14-8b6c-99f846e54c43" providerId="AD" clId="Web-{9733837E-4CC1-4222-AD9A-2263865B2D32}" dt="2021-10-18T01:29:00.261" v="53" actId="20577"/>
           <ac:spMkLst>
             <pc:docMk/>
             <pc:sldMk cId="0" sldId="263"/>
@@ -981,50 +1004,176 @@
         </pc:spChg>
       </pc:sldChg>
       <pc:sldChg chg="modSp">
-        <pc:chgData name="Kim, Hyesoon" userId="S::hkim358@gatech.edu::0d5c111a-f023-452e-87f1-b54e58794be3" providerId="AD" clId="Web-{2C367D7B-9FFC-4D6F-95D1-AECEBC4C09A1}" dt="2021-10-17T20:21:35.365" v="215" actId="20577"/>
+        <pc:chgData name="Cooper, Liam P" userId="S::lcooper43@gatech.edu::c9ebb646-a5a5-4a14-8b6c-99f846e54c43" providerId="AD" clId="Web-{9733837E-4CC1-4222-AD9A-2263865B2D32}" dt="2021-10-18T01:25:11.512" v="34" actId="20577"/>
+        <pc:sldMkLst>
+          <pc:docMk/>
+          <pc:sldMk cId="895507812" sldId="266"/>
+        </pc:sldMkLst>
+        <pc:spChg chg="mod">
+          <ac:chgData name="Cooper, Liam P" userId="S::lcooper43@gatech.edu::c9ebb646-a5a5-4a14-8b6c-99f846e54c43" providerId="AD" clId="Web-{9733837E-4CC1-4222-AD9A-2263865B2D32}" dt="2021-10-18T01:25:11.512" v="34" actId="20577"/>
+          <ac:spMkLst>
+            <pc:docMk/>
+            <pc:sldMk cId="895507812" sldId="266"/>
+            <ac:spMk id="85" creationId="{00000000-0000-0000-0000-000000000000}"/>
+          </ac:spMkLst>
+        </pc:spChg>
+      </pc:sldChg>
+    </pc:docChg>
+  </pc:docChgLst>
+  <pc:docChgLst>
+    <pc:chgData name="Kim, Hyesoon" userId="S::hkim358@gatech.edu::0d5c111a-f023-452e-87f1-b54e58794be3" providerId="AD" clId="Web-{1B9E4225-9137-4066-8412-7EA928F9A5D1}"/>
+    <pc:docChg chg="modSld">
+      <pc:chgData name="Kim, Hyesoon" userId="S::hkim358@gatech.edu::0d5c111a-f023-452e-87f1-b54e58794be3" providerId="AD" clId="Web-{1B9E4225-9137-4066-8412-7EA928F9A5D1}" dt="2022-09-30T15:16:50.388" v="56" actId="20577"/>
+      <pc:docMkLst>
+        <pc:docMk/>
+      </pc:docMkLst>
+      <pc:sldChg chg="modSp">
+        <pc:chgData name="Kim, Hyesoon" userId="S::hkim358@gatech.edu::0d5c111a-f023-452e-87f1-b54e58794be3" providerId="AD" clId="Web-{1B9E4225-9137-4066-8412-7EA928F9A5D1}" dt="2022-09-30T15:16:50.388" v="56" actId="20577"/>
+        <pc:sldMkLst>
+          <pc:docMk/>
+          <pc:sldMk cId="0" sldId="256"/>
+        </pc:sldMkLst>
+        <pc:spChg chg="mod">
+          <ac:chgData name="Kim, Hyesoon" userId="S::hkim358@gatech.edu::0d5c111a-f023-452e-87f1-b54e58794be3" providerId="AD" clId="Web-{1B9E4225-9137-4066-8412-7EA928F9A5D1}" dt="2022-09-30T15:16:50.388" v="56" actId="20577"/>
+          <ac:spMkLst>
+            <pc:docMk/>
+            <pc:sldMk cId="0" sldId="256"/>
+            <ac:spMk id="82" creationId="{00000000-0000-0000-0000-000000000000}"/>
+          </ac:spMkLst>
+        </pc:spChg>
+      </pc:sldChg>
+    </pc:docChg>
+  </pc:docChgLst>
+  <pc:docChgLst>
+    <pc:chgData name="Cooper, Liam P" userId="S::lcooper43@gatech.edu::c9ebb646-a5a5-4a14-8b6c-99f846e54c43" providerId="AD" clId="Web-{ACE352D7-87A0-4999-94A4-C912EC176C40}"/>
+    <pc:docChg chg="modSld">
+      <pc:chgData name="Cooper, Liam P" userId="S::lcooper43@gatech.edu::c9ebb646-a5a5-4a14-8b6c-99f846e54c43" providerId="AD" clId="Web-{ACE352D7-87A0-4999-94A4-C912EC176C40}" dt="2021-10-17T21:17:06.580" v="133" actId="20577"/>
+      <pc:docMkLst>
+        <pc:docMk/>
+      </pc:docMkLst>
+      <pc:sldChg chg="modSp">
+        <pc:chgData name="Cooper, Liam P" userId="S::lcooper43@gatech.edu::c9ebb646-a5a5-4a14-8b6c-99f846e54c43" providerId="AD" clId="Web-{ACE352D7-87A0-4999-94A4-C912EC176C40}" dt="2021-10-17T21:17:06.580" v="133" actId="20577"/>
         <pc:sldMkLst>
           <pc:docMk/>
           <pc:sldMk cId="0" sldId="264"/>
         </pc:sldMkLst>
         <pc:spChg chg="mod">
-          <ac:chgData name="Kim, Hyesoon" userId="S::hkim358@gatech.edu::0d5c111a-f023-452e-87f1-b54e58794be3" providerId="AD" clId="Web-{2C367D7B-9FFC-4D6F-95D1-AECEBC4C09A1}" dt="2021-10-17T20:21:35.365" v="215" actId="20577"/>
+          <ac:chgData name="Cooper, Liam P" userId="S::lcooper43@gatech.edu::c9ebb646-a5a5-4a14-8b6c-99f846e54c43" providerId="AD" clId="Web-{ACE352D7-87A0-4999-94A4-C912EC176C40}" dt="2021-10-17T20:58:32.950" v="37" actId="1076"/>
           <ac:spMkLst>
             <pc:docMk/>
             <pc:sldMk cId="0" sldId="264"/>
             <ac:spMk id="91" creationId="{00000000-0000-0000-0000-000000000000}"/>
           </ac:spMkLst>
         </pc:spChg>
-      </pc:sldChg>
-      <pc:sldChg chg="del">
-        <pc:chgData name="Kim, Hyesoon" userId="S::hkim358@gatech.edu::0d5c111a-f023-452e-87f1-b54e58794be3" providerId="AD" clId="Web-{2C367D7B-9FFC-4D6F-95D1-AECEBC4C09A1}" dt="2021-10-17T20:13:26.708" v="134"/>
-        <pc:sldMkLst>
-          <pc:docMk/>
-          <pc:sldMk cId="3158471362" sldId="267"/>
-        </pc:sldMkLst>
-      </pc:sldChg>
-    </pc:docChg>
-  </pc:docChgLst>
-  <pc:docChgLst>
-    <pc:chgData name="Cooper, Liam P" userId="S::lcooper43@gatech.edu::c9ebb646-a5a5-4a14-8b6c-99f846e54c43" providerId="AD" clId="Web-{6C832525-E5F8-440D-A1B4-E8331C7F49C7}"/>
-    <pc:docChg chg="modSld">
-      <pc:chgData name="Cooper, Liam P" userId="S::lcooper43@gatech.edu::c9ebb646-a5a5-4a14-8b6c-99f846e54c43" providerId="AD" clId="Web-{6C832525-E5F8-440D-A1B4-E8331C7F49C7}" dt="2021-10-17T23:46:22.125" v="0" actId="20577"/>
-      <pc:docMkLst>
-        <pc:docMk/>
-      </pc:docMkLst>
-      <pc:sldChg chg="modSp">
-        <pc:chgData name="Cooper, Liam P" userId="S::lcooper43@gatech.edu::c9ebb646-a5a5-4a14-8b6c-99f846e54c43" providerId="AD" clId="Web-{6C832525-E5F8-440D-A1B4-E8331C7F49C7}" dt="2021-10-17T23:46:22.125" v="0" actId="20577"/>
-        <pc:sldMkLst>
-          <pc:docMk/>
-          <pc:sldMk cId="0" sldId="264"/>
-        </pc:sldMkLst>
         <pc:spChg chg="mod">
-          <ac:chgData name="Cooper, Liam P" userId="S::lcooper43@gatech.edu::c9ebb646-a5a5-4a14-8b6c-99f846e54c43" providerId="AD" clId="Web-{6C832525-E5F8-440D-A1B4-E8331C7F49C7}" dt="2021-10-17T23:46:22.125" v="0" actId="20577"/>
+          <ac:chgData name="Cooper, Liam P" userId="S::lcooper43@gatech.edu::c9ebb646-a5a5-4a14-8b6c-99f846e54c43" providerId="AD" clId="Web-{ACE352D7-87A0-4999-94A4-C912EC176C40}" dt="2021-10-17T21:17:06.580" v="133" actId="20577"/>
           <ac:spMkLst>
             <pc:docMk/>
             <pc:sldMk cId="0" sldId="264"/>
             <ac:spMk id="93" creationId="{00000000-0000-0000-0000-000000000000}"/>
           </ac:spMkLst>
         </pc:spChg>
+      </pc:sldChg>
+    </pc:docChg>
+  </pc:docChgLst>
+  <pc:docChgLst>
+    <pc:chgData name="Kim, Hyesoon" userId="S::hkim358@gatech.edu::0d5c111a-f023-452e-87f1-b54e58794be3" providerId="AD" clId="Web-{2482879D-BE30-4456-AEA9-B58D41480A0C}"/>
+    <pc:docChg chg="addSld delSld modSld">
+      <pc:chgData name="Kim, Hyesoon" userId="S::hkim358@gatech.edu::0d5c111a-f023-452e-87f1-b54e58794be3" providerId="AD" clId="Web-{2482879D-BE30-4456-AEA9-B58D41480A0C}" dt="2022-09-30T14:58:21.271" v="90" actId="20577"/>
+      <pc:docMkLst>
+        <pc:docMk/>
+      </pc:docMkLst>
+      <pc:sldChg chg="modSp new del">
+        <pc:chgData name="Kim, Hyesoon" userId="S::hkim358@gatech.edu::0d5c111a-f023-452e-87f1-b54e58794be3" providerId="AD" clId="Web-{2482879D-BE30-4456-AEA9-B58D41480A0C}" dt="2022-09-30T14:57:10" v="5"/>
+        <pc:sldMkLst>
+          <pc:docMk/>
+          <pc:sldMk cId="1835665826" sldId="268"/>
+        </pc:sldMkLst>
+        <pc:spChg chg="mod">
+          <ac:chgData name="Kim, Hyesoon" userId="S::hkim358@gatech.edu::0d5c111a-f023-452e-87f1-b54e58794be3" providerId="AD" clId="Web-{2482879D-BE30-4456-AEA9-B58D41480A0C}" dt="2022-09-30T14:56:56.796" v="2" actId="20577"/>
+          <ac:spMkLst>
+            <pc:docMk/>
+            <pc:sldMk cId="1835665826" sldId="268"/>
+            <ac:spMk id="2" creationId="{85119711-6B45-2F9E-880B-71851715810F}"/>
+          </ac:spMkLst>
+        </pc:spChg>
+      </pc:sldChg>
+      <pc:sldChg chg="modSp add replId">
+        <pc:chgData name="Kim, Hyesoon" userId="S::hkim358@gatech.edu::0d5c111a-f023-452e-87f1-b54e58794be3" providerId="AD" clId="Web-{2482879D-BE30-4456-AEA9-B58D41480A0C}" dt="2022-09-30T14:58:21.271" v="90" actId="20577"/>
+        <pc:sldMkLst>
+          <pc:docMk/>
+          <pc:sldMk cId="3263684365" sldId="269"/>
+        </pc:sldMkLst>
+        <pc:spChg chg="mod">
+          <ac:chgData name="Kim, Hyesoon" userId="S::hkim358@gatech.edu::0d5c111a-f023-452e-87f1-b54e58794be3" providerId="AD" clId="Web-{2482879D-BE30-4456-AEA9-B58D41480A0C}" dt="2022-09-30T14:57:08.094" v="4" actId="20577"/>
+          <ac:spMkLst>
+            <pc:docMk/>
+            <pc:sldMk cId="3263684365" sldId="269"/>
+            <ac:spMk id="91" creationId="{00000000-0000-0000-0000-000000000000}"/>
+          </ac:spMkLst>
+        </pc:spChg>
+        <pc:spChg chg="mod">
+          <ac:chgData name="Kim, Hyesoon" userId="S::hkim358@gatech.edu::0d5c111a-f023-452e-87f1-b54e58794be3" providerId="AD" clId="Web-{2482879D-BE30-4456-AEA9-B58D41480A0C}" dt="2022-09-30T14:58:21.271" v="90" actId="20577"/>
+          <ac:spMkLst>
+            <pc:docMk/>
+            <pc:sldMk cId="3263684365" sldId="269"/>
+            <ac:spMk id="93" creationId="{00000000-0000-0000-0000-000000000000}"/>
+          </ac:spMkLst>
+        </pc:spChg>
+      </pc:sldChg>
+    </pc:docChg>
+  </pc:docChgLst>
+  <pc:docChgLst>
+    <pc:chgData name="Cooper, Liam P" userId="S::lcooper43@gatech.edu::c9ebb646-a5a5-4a14-8b6c-99f846e54c43" providerId="AD" clId="Web-{EAEC9940-C916-4E78-A354-4AFCEF4342B9}"/>
+    <pc:docChg chg="addSld delSld modSld sldOrd">
+      <pc:chgData name="Cooper, Liam P" userId="S::lcooper43@gatech.edu::c9ebb646-a5a5-4a14-8b6c-99f846e54c43" providerId="AD" clId="Web-{EAEC9940-C916-4E78-A354-4AFCEF4342B9}" dt="2021-10-18T12:46:58.510" v="107" actId="20577"/>
+      <pc:docMkLst>
+        <pc:docMk/>
+      </pc:docMkLst>
+      <pc:sldChg chg="addSp delSp modSp ord">
+        <pc:chgData name="Cooper, Liam P" userId="S::lcooper43@gatech.edu::c9ebb646-a5a5-4a14-8b6c-99f846e54c43" providerId="AD" clId="Web-{EAEC9940-C916-4E78-A354-4AFCEF4342B9}" dt="2021-10-18T12:46:58.510" v="107" actId="20577"/>
+        <pc:sldMkLst>
+          <pc:docMk/>
+          <pc:sldMk cId="0" sldId="257"/>
+        </pc:sldMkLst>
+        <pc:spChg chg="mod">
+          <ac:chgData name="Cooper, Liam P" userId="S::lcooper43@gatech.edu::c9ebb646-a5a5-4a14-8b6c-99f846e54c43" providerId="AD" clId="Web-{EAEC9940-C916-4E78-A354-4AFCEF4342B9}" dt="2021-10-18T12:34:40.043" v="15" actId="20577"/>
+          <ac:spMkLst>
+            <pc:docMk/>
+            <pc:sldMk cId="0" sldId="257"/>
+            <ac:spMk id="83" creationId="{00000000-0000-0000-0000-000000000000}"/>
+          </ac:spMkLst>
+        </pc:spChg>
+        <pc:spChg chg="mod">
+          <ac:chgData name="Cooper, Liam P" userId="S::lcooper43@gatech.edu::c9ebb646-a5a5-4a14-8b6c-99f846e54c43" providerId="AD" clId="Web-{EAEC9940-C916-4E78-A354-4AFCEF4342B9}" dt="2021-10-18T12:46:58.510" v="107" actId="20577"/>
+          <ac:spMkLst>
+            <pc:docMk/>
+            <pc:sldMk cId="0" sldId="257"/>
+            <ac:spMk id="85" creationId="{00000000-0000-0000-0000-000000000000}"/>
+          </ac:spMkLst>
+        </pc:spChg>
+        <pc:spChg chg="add del mod">
+          <ac:chgData name="Cooper, Liam P" userId="S::lcooper43@gatech.edu::c9ebb646-a5a5-4a14-8b6c-99f846e54c43" providerId="AD" clId="Web-{EAEC9940-C916-4E78-A354-4AFCEF4342B9}" dt="2021-10-18T12:31:17.102" v="8"/>
+          <ac:spMkLst>
+            <pc:docMk/>
+            <pc:sldMk cId="0" sldId="257"/>
+            <ac:spMk id="86" creationId="{00000000-0000-0000-0000-000000000000}"/>
+          </ac:spMkLst>
+        </pc:spChg>
+      </pc:sldChg>
+      <pc:sldChg chg="add replId">
+        <pc:chgData name="Cooper, Liam P" userId="S::lcooper43@gatech.edu::c9ebb646-a5a5-4a14-8b6c-99f846e54c43" providerId="AD" clId="Web-{EAEC9940-C916-4E78-A354-4AFCEF4342B9}" dt="2021-10-18T12:28:37.005" v="2"/>
+        <pc:sldMkLst>
+          <pc:docMk/>
+          <pc:sldMk cId="1581591787" sldId="267"/>
+        </pc:sldMkLst>
+      </pc:sldChg>
+      <pc:sldChg chg="new del">
+        <pc:chgData name="Cooper, Liam P" userId="S::lcooper43@gatech.edu::c9ebb646-a5a5-4a14-8b6c-99f846e54c43" providerId="AD" clId="Web-{EAEC9940-C916-4E78-A354-4AFCEF4342B9}" dt="2021-10-18T12:28:32.974" v="1"/>
+        <pc:sldMkLst>
+          <pc:docMk/>
+          <pc:sldMk cId="1815908824" sldId="267"/>
+        </pc:sldMkLst>
       </pc:sldChg>
     </pc:docChg>
   </pc:docChgLst>
@@ -1762,6 +1911,426 @@
 </p:notes>
 </file>
 
+<file path=ppt/notesSlides/notesSlide12.xml><?xml version="1.0" encoding="utf-8"?>
+<p:notes xmlns:a="http://schemas.openxmlformats.org/drawingml/2006/main" xmlns:r="http://schemas.openxmlformats.org/officeDocument/2006/relationships" xmlns:p="http://schemas.openxmlformats.org/presentationml/2006/main">
+  <p:cSld>
+    <p:spTree>
+      <p:nvGrpSpPr>
+        <p:cNvPr id="1" name=""/>
+        <p:cNvGrpSpPr/>
+        <p:nvPr/>
+      </p:nvGrpSpPr>
+      <p:grpSpPr>
+        <a:xfrm>
+          <a:off x="0" y="0"/>
+          <a:ext cx="0" cy="0"/>
+          <a:chOff x="0" y="0"/>
+          <a:chExt cx="0" cy="0"/>
+        </a:xfrm>
+      </p:grpSpPr>
+      <p:sp>
+        <p:nvSpPr>
+          <p:cNvPr id="113" name="PlaceHolder 1"/>
+          <p:cNvSpPr>
+            <a:spLocks noGrp="1" noRot="1" noChangeAspect="1"/>
+          </p:cNvSpPr>
+          <p:nvPr>
+            <p:ph type="sldImg"/>
+          </p:nvPr>
+        </p:nvSpPr>
+        <p:spPr>
+          <a:xfrm>
+            <a:off x="685800" y="1143000"/>
+            <a:ext cx="5484813" cy="3084513"/>
+          </a:xfrm>
+          <a:prstGeom prst="rect">
+            <a:avLst/>
+          </a:prstGeom>
+        </p:spPr>
+      </p:sp>
+      <p:sp>
+        <p:nvSpPr>
+          <p:cNvPr id="114" name="PlaceHolder 2"/>
+          <p:cNvSpPr>
+            <a:spLocks noGrp="1"/>
+          </p:cNvSpPr>
+          <p:nvPr>
+            <p:ph type="body"/>
+          </p:nvPr>
+        </p:nvSpPr>
+        <p:spPr>
+          <a:xfrm>
+            <a:off x="685800" y="4400640"/>
+            <a:ext cx="5484960" cy="3598920"/>
+          </a:xfrm>
+          <a:prstGeom prst="rect">
+            <a:avLst/>
+          </a:prstGeom>
+        </p:spPr>
+        <p:txBody>
+          <a:bodyPr lIns="0" tIns="0" rIns="0" bIns="0"/>
+          <a:lstStyle/>
+          <a:p>
+            <a:endParaRPr lang="en-US" sz="2000" b="0" strike="noStrike" spc="-1">
+              <a:latin typeface="Arial"/>
+            </a:endParaRPr>
+          </a:p>
+        </p:txBody>
+      </p:sp>
+      <p:sp>
+        <p:nvSpPr>
+          <p:cNvPr id="115" name="CustomShape 3"/>
+          <p:cNvSpPr/>
+          <p:nvPr/>
+        </p:nvSpPr>
+        <p:spPr>
+          <a:xfrm>
+            <a:off x="3884760" y="8685360"/>
+            <a:ext cx="2970360" cy="457200"/>
+          </a:xfrm>
+          <a:prstGeom prst="rect">
+            <a:avLst/>
+          </a:prstGeom>
+          <a:noFill/>
+          <a:ln>
+            <a:noFill/>
+          </a:ln>
+        </p:spPr>
+        <p:style>
+          <a:lnRef idx="0">
+            <a:scrgbClr r="0" g="0" b="0"/>
+          </a:lnRef>
+          <a:fillRef idx="0">
+            <a:scrgbClr r="0" g="0" b="0"/>
+          </a:fillRef>
+          <a:effectRef idx="0">
+            <a:scrgbClr r="0" g="0" b="0"/>
+          </a:effectRef>
+          <a:fontRef idx="minor"/>
+        </p:style>
+        <p:txBody>
+          <a:bodyPr lIns="90000" tIns="45000" rIns="90000" bIns="45000" anchor="b"/>
+          <a:lstStyle/>
+          <a:p>
+            <a:pPr algn="r">
+              <a:lnSpc>
+                <a:spcPct val="100000"/>
+              </a:lnSpc>
+            </a:pPr>
+            <a:fld id="{657B3718-8069-4DC2-BAB8-CC624F069BEB}" type="slidenum">
+              <a:rPr lang="en-US" sz="1400" b="0" strike="noStrike" spc="-1">
+                <a:solidFill>
+                  <a:srgbClr val="000000"/>
+                </a:solidFill>
+                <a:latin typeface="Times New Roman"/>
+                <a:ea typeface="Times New Roman"/>
+              </a:rPr>
+              <a:pPr algn="r">
+                <a:lnSpc>
+                  <a:spcPct val="100000"/>
+                </a:lnSpc>
+              </a:pPr>
+              <a:t>12</a:t>
+            </a:fld>
+            <a:endParaRPr lang="en-US" sz="1400" b="0" strike="noStrike" spc="-1">
+              <a:latin typeface="Arial"/>
+            </a:endParaRPr>
+          </a:p>
+        </p:txBody>
+      </p:sp>
+    </p:spTree>
+    <p:extLst>
+      <p:ext uri="{BB962C8B-B14F-4D97-AF65-F5344CB8AC3E}">
+        <p14:creationId xmlns:p14="http://schemas.microsoft.com/office/powerpoint/2010/main" val="4103087084"/>
+      </p:ext>
+    </p:extLst>
+  </p:cSld>
+  <p:clrMapOvr>
+    <a:masterClrMapping/>
+  </p:clrMapOvr>
+</p:notes>
+</file>
+
+<file path=ppt/notesSlides/notesSlide13.xml><?xml version="1.0" encoding="utf-8"?>
+<p:notes xmlns:a="http://schemas.openxmlformats.org/drawingml/2006/main" xmlns:r="http://schemas.openxmlformats.org/officeDocument/2006/relationships" xmlns:p="http://schemas.openxmlformats.org/presentationml/2006/main">
+  <p:cSld>
+    <p:spTree>
+      <p:nvGrpSpPr>
+        <p:cNvPr id="1" name=""/>
+        <p:cNvGrpSpPr/>
+        <p:nvPr/>
+      </p:nvGrpSpPr>
+      <p:grpSpPr>
+        <a:xfrm>
+          <a:off x="0" y="0"/>
+          <a:ext cx="0" cy="0"/>
+          <a:chOff x="0" y="0"/>
+          <a:chExt cx="0" cy="0"/>
+        </a:xfrm>
+      </p:grpSpPr>
+      <p:sp>
+        <p:nvSpPr>
+          <p:cNvPr id="113" name="PlaceHolder 1"/>
+          <p:cNvSpPr>
+            <a:spLocks noGrp="1" noRot="1" noChangeAspect="1"/>
+          </p:cNvSpPr>
+          <p:nvPr>
+            <p:ph type="sldImg"/>
+          </p:nvPr>
+        </p:nvSpPr>
+        <p:spPr>
+          <a:xfrm>
+            <a:off x="685800" y="1143000"/>
+            <a:ext cx="5484813" cy="3084513"/>
+          </a:xfrm>
+          <a:prstGeom prst="rect">
+            <a:avLst/>
+          </a:prstGeom>
+        </p:spPr>
+      </p:sp>
+      <p:sp>
+        <p:nvSpPr>
+          <p:cNvPr id="114" name="PlaceHolder 2"/>
+          <p:cNvSpPr>
+            <a:spLocks noGrp="1"/>
+          </p:cNvSpPr>
+          <p:nvPr>
+            <p:ph type="body"/>
+          </p:nvPr>
+        </p:nvSpPr>
+        <p:spPr>
+          <a:xfrm>
+            <a:off x="685800" y="4400640"/>
+            <a:ext cx="5484960" cy="3598920"/>
+          </a:xfrm>
+          <a:prstGeom prst="rect">
+            <a:avLst/>
+          </a:prstGeom>
+        </p:spPr>
+        <p:txBody>
+          <a:bodyPr lIns="0" tIns="0" rIns="0" bIns="0"/>
+          <a:lstStyle/>
+          <a:p>
+            <a:endParaRPr lang="en-US" sz="2000" b="0" strike="noStrike" spc="-1">
+              <a:latin typeface="Arial"/>
+            </a:endParaRPr>
+          </a:p>
+        </p:txBody>
+      </p:sp>
+      <p:sp>
+        <p:nvSpPr>
+          <p:cNvPr id="115" name="CustomShape 3"/>
+          <p:cNvSpPr/>
+          <p:nvPr/>
+        </p:nvSpPr>
+        <p:spPr>
+          <a:xfrm>
+            <a:off x="3884760" y="8685360"/>
+            <a:ext cx="2970360" cy="457200"/>
+          </a:xfrm>
+          <a:prstGeom prst="rect">
+            <a:avLst/>
+          </a:prstGeom>
+          <a:noFill/>
+          <a:ln>
+            <a:noFill/>
+          </a:ln>
+        </p:spPr>
+        <p:style>
+          <a:lnRef idx="0">
+            <a:scrgbClr r="0" g="0" b="0"/>
+          </a:lnRef>
+          <a:fillRef idx="0">
+            <a:scrgbClr r="0" g="0" b="0"/>
+          </a:fillRef>
+          <a:effectRef idx="0">
+            <a:scrgbClr r="0" g="0" b="0"/>
+          </a:effectRef>
+          <a:fontRef idx="minor"/>
+        </p:style>
+        <p:txBody>
+          <a:bodyPr lIns="90000" tIns="45000" rIns="90000" bIns="45000" anchor="b"/>
+          <a:lstStyle/>
+          <a:p>
+            <a:pPr algn="r">
+              <a:lnSpc>
+                <a:spcPct val="100000"/>
+              </a:lnSpc>
+            </a:pPr>
+            <a:fld id="{657B3718-8069-4DC2-BAB8-CC624F069BEB}" type="slidenum">
+              <a:rPr lang="en-US" sz="1400" b="0" strike="noStrike" spc="-1">
+                <a:solidFill>
+                  <a:srgbClr val="000000"/>
+                </a:solidFill>
+                <a:latin typeface="Times New Roman"/>
+                <a:ea typeface="Times New Roman"/>
+              </a:rPr>
+              <a:pPr algn="r">
+                <a:lnSpc>
+                  <a:spcPct val="100000"/>
+                </a:lnSpc>
+              </a:pPr>
+              <a:t>13</a:t>
+            </a:fld>
+            <a:endParaRPr lang="en-US" sz="1400" b="0" strike="noStrike" spc="-1">
+              <a:latin typeface="Arial"/>
+            </a:endParaRPr>
+          </a:p>
+        </p:txBody>
+      </p:sp>
+    </p:spTree>
+    <p:extLst>
+      <p:ext uri="{BB962C8B-B14F-4D97-AF65-F5344CB8AC3E}">
+        <p14:creationId xmlns:p14="http://schemas.microsoft.com/office/powerpoint/2010/main" val="4071641827"/>
+      </p:ext>
+    </p:extLst>
+  </p:cSld>
+  <p:clrMapOvr>
+    <a:masterClrMapping/>
+  </p:clrMapOvr>
+</p:notes>
+</file>
+
+<file path=ppt/notesSlides/notesSlide14.xml><?xml version="1.0" encoding="utf-8"?>
+<p:notes xmlns:a="http://schemas.openxmlformats.org/drawingml/2006/main" xmlns:r="http://schemas.openxmlformats.org/officeDocument/2006/relationships" xmlns:p="http://schemas.openxmlformats.org/presentationml/2006/main">
+  <p:cSld>
+    <p:spTree>
+      <p:nvGrpSpPr>
+        <p:cNvPr id="1" name=""/>
+        <p:cNvGrpSpPr/>
+        <p:nvPr/>
+      </p:nvGrpSpPr>
+      <p:grpSpPr>
+        <a:xfrm>
+          <a:off x="0" y="0"/>
+          <a:ext cx="0" cy="0"/>
+          <a:chOff x="0" y="0"/>
+          <a:chExt cx="0" cy="0"/>
+        </a:xfrm>
+      </p:grpSpPr>
+      <p:sp>
+        <p:nvSpPr>
+          <p:cNvPr id="113" name="PlaceHolder 1"/>
+          <p:cNvSpPr>
+            <a:spLocks noGrp="1" noRot="1" noChangeAspect="1"/>
+          </p:cNvSpPr>
+          <p:nvPr>
+            <p:ph type="sldImg"/>
+          </p:nvPr>
+        </p:nvSpPr>
+        <p:spPr>
+          <a:xfrm>
+            <a:off x="685800" y="1143000"/>
+            <a:ext cx="5484813" cy="3084513"/>
+          </a:xfrm>
+          <a:prstGeom prst="rect">
+            <a:avLst/>
+          </a:prstGeom>
+        </p:spPr>
+      </p:sp>
+      <p:sp>
+        <p:nvSpPr>
+          <p:cNvPr id="114" name="PlaceHolder 2"/>
+          <p:cNvSpPr>
+            <a:spLocks noGrp="1"/>
+          </p:cNvSpPr>
+          <p:nvPr>
+            <p:ph type="body"/>
+          </p:nvPr>
+        </p:nvSpPr>
+        <p:spPr>
+          <a:xfrm>
+            <a:off x="685800" y="4400640"/>
+            <a:ext cx="5484960" cy="3598920"/>
+          </a:xfrm>
+          <a:prstGeom prst="rect">
+            <a:avLst/>
+          </a:prstGeom>
+        </p:spPr>
+        <p:txBody>
+          <a:bodyPr lIns="0" tIns="0" rIns="0" bIns="0"/>
+          <a:lstStyle/>
+          <a:p>
+            <a:endParaRPr lang="en-US" sz="2000" b="0" strike="noStrike" spc="-1">
+              <a:latin typeface="Arial"/>
+            </a:endParaRPr>
+          </a:p>
+        </p:txBody>
+      </p:sp>
+      <p:sp>
+        <p:nvSpPr>
+          <p:cNvPr id="115" name="CustomShape 3"/>
+          <p:cNvSpPr/>
+          <p:nvPr/>
+        </p:nvSpPr>
+        <p:spPr>
+          <a:xfrm>
+            <a:off x="3884760" y="8685360"/>
+            <a:ext cx="2970360" cy="457200"/>
+          </a:xfrm>
+          <a:prstGeom prst="rect">
+            <a:avLst/>
+          </a:prstGeom>
+          <a:noFill/>
+          <a:ln>
+            <a:noFill/>
+          </a:ln>
+        </p:spPr>
+        <p:style>
+          <a:lnRef idx="0">
+            <a:scrgbClr r="0" g="0" b="0"/>
+          </a:lnRef>
+          <a:fillRef idx="0">
+            <a:scrgbClr r="0" g="0" b="0"/>
+          </a:fillRef>
+          <a:effectRef idx="0">
+            <a:scrgbClr r="0" g="0" b="0"/>
+          </a:effectRef>
+          <a:fontRef idx="minor"/>
+        </p:style>
+        <p:txBody>
+          <a:bodyPr lIns="90000" tIns="45000" rIns="90000" bIns="45000" anchor="b"/>
+          <a:lstStyle/>
+          <a:p>
+            <a:pPr algn="r">
+              <a:lnSpc>
+                <a:spcPct val="100000"/>
+              </a:lnSpc>
+            </a:pPr>
+            <a:fld id="{657B3718-8069-4DC2-BAB8-CC624F069BEB}" type="slidenum">
+              <a:rPr lang="en-US" sz="1400" b="0" strike="noStrike" spc="-1">
+                <a:solidFill>
+                  <a:srgbClr val="000000"/>
+                </a:solidFill>
+                <a:latin typeface="Times New Roman"/>
+                <a:ea typeface="Times New Roman"/>
+              </a:rPr>
+              <a:pPr algn="r">
+                <a:lnSpc>
+                  <a:spcPct val="100000"/>
+                </a:lnSpc>
+              </a:pPr>
+              <a:t>14</a:t>
+            </a:fld>
+            <a:endParaRPr lang="en-US" sz="1400" b="0" strike="noStrike" spc="-1">
+              <a:latin typeface="Arial"/>
+            </a:endParaRPr>
+          </a:p>
+        </p:txBody>
+      </p:sp>
+    </p:spTree>
+    <p:extLst>
+      <p:ext uri="{BB962C8B-B14F-4D97-AF65-F5344CB8AC3E}">
+        <p14:creationId xmlns:p14="http://schemas.microsoft.com/office/powerpoint/2010/main" val="1231777313"/>
+      </p:ext>
+    </p:extLst>
+  </p:cSld>
+  <p:clrMapOvr>
+    <a:masterClrMapping/>
+  </p:clrMapOvr>
+</p:notes>
+</file>
+
 <file path=ppt/notesSlides/notesSlide2.xml><?xml version="1.0" encoding="utf-8"?>
 <p:notes xmlns:a="http://schemas.openxmlformats.org/drawingml/2006/main" xmlns:r="http://schemas.openxmlformats.org/officeDocument/2006/relationships" xmlns:p="http://schemas.openxmlformats.org/presentationml/2006/main">
   <p:cSld>
@@ -6436,16 +7005,16 @@
           <a:p>
             <a:pPr algn="ctr"/>
             <a:br>
-              <a:rPr dirty="0"/>
+              <a:rPr/>
             </a:br>
             <a:r>
-              <a:rPr lang="en-US" sz="4750" b="1" spc="-1" dirty="0">
+              <a:rPr lang="en-US" sz="4750" b="1" spc="-1">
                 <a:latin typeface="Tahoma"/>
                 <a:ea typeface="Tahoma"/>
               </a:rPr>
               <a:t>Using Vortex for Class and Research</a:t>
             </a:r>
-            <a:endParaRPr lang="en-US" sz="4750" b="1" strike="noStrike" spc="-1" dirty="0">
+            <a:endParaRPr lang="en-US" sz="4750" b="1" strike="noStrike" spc="-1">
               <a:latin typeface="Tahoma"/>
               <a:ea typeface="Tahoma"/>
             </a:endParaRPr>
@@ -6491,25 +7060,37 @@
           <a:p>
             <a:pPr algn="ctr"/>
             <a:r>
+              <a:rPr lang="en-US" sz="2400" spc="-1">
+                <a:latin typeface="Arial"/>
+              </a:rPr>
+              <a:t>Presenter: </a:t>
+            </a:r>
+            <a:r>
+              <a:rPr lang="en-US" sz="2400" spc="-1" err="1">
+                <a:latin typeface="Arial"/>
+              </a:rPr>
+              <a:t>Hyesoon</a:t>
+            </a:r>
+            <a:r>
+              <a:rPr lang="en-US" sz="2400" spc="-1">
+                <a:latin typeface="Arial"/>
+              </a:rPr>
+              <a:t> Kim</a:t>
+            </a:r>
+            <a:r>
               <a:rPr lang="en-US" sz="2400" spc="-1" dirty="0">
                 <a:latin typeface="Arial"/>
               </a:rPr>
-              <a:t>Presenter: </a:t>
-            </a:r>
-            <a:r>
-              <a:rPr lang="en-US" sz="2400" spc="-1" dirty="0" err="1">
+              <a:t> </a:t>
+            </a:r>
+            <a:r>
+              <a:rPr lang="en-US" sz="2400" spc="-1">
                 <a:latin typeface="Arial"/>
               </a:rPr>
-              <a:t>Hyesoon</a:t>
-            </a:r>
-            <a:r>
-              <a:rPr lang="en-US" sz="2400" spc="-1" dirty="0">
-                <a:latin typeface="Arial"/>
-              </a:rPr>
-              <a:t> Kim / Liam</a:t>
-            </a:r>
-            <a:r>
-              <a:rPr lang="en-US" sz="2400" b="0" strike="noStrike" spc="-1" dirty="0">
+              <a:t>/ Liam</a:t>
+            </a:r>
+            <a:r>
+              <a:rPr lang="en-US" sz="2400" b="0" strike="noStrike" spc="-1">
                 <a:latin typeface="Arial"/>
               </a:rPr>
               <a:t> Cooper</a:t>
@@ -7151,7 +7732,7 @@
               </a:lnSpc>
             </a:pPr>
             <a:r>
-              <a:rPr lang="en-US" sz="3200" b="1" strike="noStrike" spc="-1">
+              <a:rPr lang="en-US" sz="3200" b="1" strike="noStrike" spc="-1" dirty="0">
                 <a:solidFill>
                   <a:srgbClr val="1F394D"/>
                 </a:solidFill>
@@ -7161,7 +7742,7 @@
               <a:t>Assignment </a:t>
             </a:r>
             <a:r>
-              <a:rPr lang="en-US" sz="3200" b="1" spc="-1">
+              <a:rPr lang="en-US" sz="3200" b="1" spc="-1" dirty="0">
                 <a:solidFill>
                   <a:srgbClr val="1F394D"/>
                 </a:solidFill>
@@ -7170,7 +7751,7 @@
               </a:rPr>
               <a:t>6</a:t>
             </a:r>
-            <a:endParaRPr lang="en-US" sz="3200" b="0" strike="noStrike" spc="-1">
+            <a:endParaRPr lang="en-US" sz="3200" b="0" strike="noStrike" spc="-1" dirty="0">
               <a:latin typeface="Arial"/>
             </a:endParaRPr>
           </a:p>
@@ -7281,7 +7862,7 @@
               <a:buChar char="|"/>
             </a:pPr>
             <a:r>
-              <a:rPr lang="en-US" sz="2800" b="0" strike="noStrike" spc="-1">
+              <a:rPr lang="en-US" sz="2800" b="0" strike="noStrike" spc="-1" dirty="0">
                 <a:solidFill>
                   <a:srgbClr val="000000"/>
                 </a:solidFill>
@@ -7291,7 +7872,7 @@
               <a:t>Add </a:t>
             </a:r>
             <a:r>
-              <a:rPr lang="en-US" sz="2800" spc="-1">
+              <a:rPr lang="en-US" sz="2800" spc="-1" dirty="0">
                 <a:solidFill>
                   <a:srgbClr val="000000"/>
                 </a:solidFill>
@@ -7316,7 +7897,7 @@
               <a:buChar char="|"/>
             </a:pPr>
             <a:r>
-              <a:rPr lang="en-US" sz="2800" spc="-1">
+              <a:rPr lang="en-US" sz="2800" spc="-1" dirty="0">
                 <a:latin typeface="Tahoma"/>
                 <a:ea typeface="Tahoma"/>
               </a:rPr>
@@ -7338,7 +7919,7 @@
               <a:buChar char="|"/>
             </a:pPr>
             <a:r>
-              <a:rPr lang="en-US" sz="2800" spc="-1">
+              <a:rPr lang="en-US" sz="2800" spc="-1" dirty="0">
                 <a:latin typeface="Tahoma"/>
                 <a:ea typeface="Tahoma"/>
               </a:rPr>
@@ -7360,7 +7941,7 @@
               <a:buChar char="|"/>
             </a:pPr>
             <a:r>
-              <a:rPr lang="en-US" sz="2800" spc="-1">
+              <a:rPr lang="en-US" sz="2800" spc="-1" dirty="0">
                 <a:latin typeface="Tahoma"/>
                 <a:ea typeface="Tahoma"/>
               </a:rPr>
@@ -7382,7 +7963,7 @@
               <a:buChar char="|"/>
             </a:pPr>
             <a:r>
-              <a:rPr lang="en-US" sz="2800" spc="-1">
+              <a:rPr lang="en-US" sz="2800" spc="-1" dirty="0">
                 <a:latin typeface="Tahoma"/>
                 <a:ea typeface="Tahoma"/>
               </a:rPr>
@@ -7403,7 +7984,65 @@
               <a:buFont typeface="Tahoma"/>
               <a:buChar char="|"/>
             </a:pPr>
-            <a:endParaRPr lang="en-US" sz="2800" spc="-1">
+            <a:r>
+              <a:rPr lang="en-US" sz="2800" spc="-1" dirty="0">
+                <a:latin typeface="Tahoma"/>
+                <a:ea typeface="Tahoma"/>
+              </a:rPr>
+              <a:t>Part #1: extending the cache tag </a:t>
+            </a:r>
+          </a:p>
+          <a:p>
+            <a:pPr marL="274320" indent="-272415">
+              <a:lnSpc>
+                <a:spcPct val="90000"/>
+              </a:lnSpc>
+              <a:spcBef>
+                <a:spcPts val="499"/>
+              </a:spcBef>
+              <a:buClr>
+                <a:srgbClr val="AA2B1E"/>
+              </a:buClr>
+              <a:buFont typeface="Tahoma"/>
+              <a:buChar char="|"/>
+            </a:pPr>
+            <a:r>
+              <a:rPr lang="en-US" sz="2800" spc="-1" dirty="0">
+                <a:latin typeface="Tahoma"/>
+                <a:ea typeface="Tahoma"/>
+              </a:rPr>
+              <a:t>Part #2: extending </a:t>
+            </a:r>
+            <a:r>
+              <a:rPr lang="en-US" sz="2800" spc="-1" dirty="0" err="1">
+                <a:latin typeface="Tahoma"/>
+                <a:ea typeface="Tahoma"/>
+              </a:rPr>
+              <a:t>bank.v</a:t>
+            </a:r>
+            <a:r>
+              <a:rPr lang="en-US" sz="2800" spc="-1" dirty="0">
+                <a:latin typeface="Tahoma"/>
+                <a:ea typeface="Tahoma"/>
+              </a:rPr>
+              <a:t> to keep track of the meta data </a:t>
+            </a:r>
+          </a:p>
+          <a:p>
+            <a:pPr marL="274320" indent="-272415">
+              <a:lnSpc>
+                <a:spcPct val="90000"/>
+              </a:lnSpc>
+              <a:spcBef>
+                <a:spcPts val="499"/>
+              </a:spcBef>
+              <a:buClr>
+                <a:srgbClr val="AA2B1E"/>
+              </a:buClr>
+              <a:buFont typeface="Tahoma"/>
+              <a:buChar char="|"/>
+            </a:pPr>
+            <a:endParaRPr lang="en-US" sz="2800" spc="-1" dirty="0">
               <a:latin typeface="Tahoma"/>
               <a:ea typeface="Tahoma"/>
             </a:endParaRPr>
@@ -7470,6 +8109,1258 @@
     <p:extLst>
       <p:ext uri="{BB962C8B-B14F-4D97-AF65-F5344CB8AC3E}">
         <p14:creationId xmlns:p14="http://schemas.microsoft.com/office/powerpoint/2010/main" val="3263684365"/>
+      </p:ext>
+    </p:extLst>
+  </p:cSld>
+  <p:clrMapOvr>
+    <a:masterClrMapping/>
+  </p:clrMapOvr>
+  <p:transition>
+    <p:fade/>
+  </p:transition>
+  <p:timing>
+    <p:tnLst>
+      <p:par>
+        <p:cTn id="1" dur="indefinite" restart="never" nodeType="tmRoot">
+          <p:childTnLst>
+            <p:seq>
+              <p:cTn id="2" dur="indefinite" nodeType="mainSeq"/>
+              <p:prevCondLst>
+                <p:cond evt="onPrev" delay="0">
+                  <p:tgtEl>
+                    <p:sldTgt/>
+                  </p:tgtEl>
+                </p:cond>
+              </p:prevCondLst>
+              <p:nextCondLst>
+                <p:cond evt="onNext" delay="0">
+                  <p:tgtEl>
+                    <p:sldTgt/>
+                  </p:tgtEl>
+                </p:cond>
+              </p:nextCondLst>
+            </p:seq>
+          </p:childTnLst>
+        </p:cTn>
+      </p:par>
+    </p:tnLst>
+  </p:timing>
+</p:sld>
+</file>
+
+<file path=ppt/slides/slide12.xml><?xml version="1.0" encoding="utf-8"?>
+<p:sld xmlns:a="http://schemas.openxmlformats.org/drawingml/2006/main" xmlns:r="http://schemas.openxmlformats.org/officeDocument/2006/relationships" xmlns:p="http://schemas.openxmlformats.org/presentationml/2006/main">
+  <p:cSld>
+    <p:spTree>
+      <p:nvGrpSpPr>
+        <p:cNvPr id="1" name=""/>
+        <p:cNvGrpSpPr/>
+        <p:nvPr/>
+      </p:nvGrpSpPr>
+      <p:grpSpPr>
+        <a:xfrm>
+          <a:off x="0" y="0"/>
+          <a:ext cx="0" cy="0"/>
+          <a:chOff x="0" y="0"/>
+          <a:chExt cx="0" cy="0"/>
+        </a:xfrm>
+      </p:grpSpPr>
+      <p:sp>
+        <p:nvSpPr>
+          <p:cNvPr id="91" name="CustomShape 1"/>
+          <p:cNvSpPr/>
+          <p:nvPr/>
+        </p:nvSpPr>
+        <p:spPr>
+          <a:xfrm>
+            <a:off x="304920" y="152280"/>
+            <a:ext cx="11276280" cy="836640"/>
+          </a:xfrm>
+          <a:prstGeom prst="rect">
+            <a:avLst/>
+          </a:prstGeom>
+          <a:noFill/>
+          <a:ln>
+            <a:noFill/>
+          </a:ln>
+        </p:spPr>
+        <p:style>
+          <a:lnRef idx="0">
+            <a:scrgbClr r="0" g="0" b="0"/>
+          </a:lnRef>
+          <a:fillRef idx="0">
+            <a:scrgbClr r="0" g="0" b="0"/>
+          </a:fillRef>
+          <a:effectRef idx="0">
+            <a:scrgbClr r="0" g="0" b="0"/>
+          </a:effectRef>
+          <a:fontRef idx="minor"/>
+        </p:style>
+        <p:txBody>
+          <a:bodyPr lIns="90000" tIns="45000" rIns="90000" bIns="45000" anchor="b"/>
+          <a:lstStyle/>
+          <a:p>
+            <a:pPr>
+              <a:lnSpc>
+                <a:spcPct val="100000"/>
+              </a:lnSpc>
+            </a:pPr>
+            <a:r>
+              <a:rPr lang="en-US" sz="3200" b="1" strike="noStrike" spc="-1" dirty="0">
+                <a:solidFill>
+                  <a:srgbClr val="1F394D"/>
+                </a:solidFill>
+                <a:latin typeface="Tahoma"/>
+                <a:ea typeface="Tahoma"/>
+              </a:rPr>
+              <a:t>Class Project Topics </a:t>
+            </a:r>
+            <a:endParaRPr lang="en-US" sz="3200" b="0" strike="noStrike" spc="-1" dirty="0">
+              <a:latin typeface="Arial"/>
+            </a:endParaRPr>
+          </a:p>
+        </p:txBody>
+      </p:sp>
+      <p:sp>
+        <p:nvSpPr>
+          <p:cNvPr id="92" name="CustomShape 2"/>
+          <p:cNvSpPr/>
+          <p:nvPr/>
+        </p:nvSpPr>
+        <p:spPr>
+          <a:xfrm>
+            <a:off x="304920" y="6579360"/>
+            <a:ext cx="7821720" cy="227160"/>
+          </a:xfrm>
+          <a:prstGeom prst="rect">
+            <a:avLst/>
+          </a:prstGeom>
+          <a:noFill/>
+          <a:ln>
+            <a:noFill/>
+          </a:ln>
+        </p:spPr>
+        <p:style>
+          <a:lnRef idx="0">
+            <a:scrgbClr r="0" g="0" b="0"/>
+          </a:lnRef>
+          <a:fillRef idx="0">
+            <a:scrgbClr r="0" g="0" b="0"/>
+          </a:fillRef>
+          <a:effectRef idx="0">
+            <a:scrgbClr r="0" g="0" b="0"/>
+          </a:effectRef>
+          <a:fontRef idx="minor"/>
+        </p:style>
+        <p:txBody>
+          <a:bodyPr lIns="90000" tIns="45000" rIns="90000" bIns="45000"/>
+          <a:lstStyle/>
+          <a:p>
+            <a:pPr>
+              <a:lnSpc>
+                <a:spcPct val="100000"/>
+              </a:lnSpc>
+            </a:pPr>
+            <a:r>
+              <a:rPr lang="en-US" sz="1200" b="0" strike="noStrike" spc="-1">
+                <a:solidFill>
+                  <a:srgbClr val="000000"/>
+                </a:solidFill>
+                <a:latin typeface="Tahoma"/>
+                <a:ea typeface="Tahoma"/>
+              </a:rPr>
+              <a:t> </a:t>
+            </a:r>
+            <a:endParaRPr lang="en-US" sz="1200" b="0" strike="noStrike" spc="-1">
+              <a:latin typeface="Arial"/>
+            </a:endParaRPr>
+          </a:p>
+        </p:txBody>
+      </p:sp>
+      <p:sp>
+        <p:nvSpPr>
+          <p:cNvPr id="93" name="CustomShape 3"/>
+          <p:cNvSpPr/>
+          <p:nvPr/>
+        </p:nvSpPr>
+        <p:spPr>
+          <a:xfrm>
+            <a:off x="304920" y="1206720"/>
+            <a:ext cx="10667880" cy="5180040"/>
+          </a:xfrm>
+          <a:prstGeom prst="rect">
+            <a:avLst/>
+          </a:prstGeom>
+          <a:noFill/>
+          <a:ln>
+            <a:noFill/>
+          </a:ln>
+        </p:spPr>
+        <p:style>
+          <a:lnRef idx="0">
+            <a:scrgbClr r="0" g="0" b="0"/>
+          </a:lnRef>
+          <a:fillRef idx="0">
+            <a:scrgbClr r="0" g="0" b="0"/>
+          </a:fillRef>
+          <a:effectRef idx="0">
+            <a:scrgbClr r="0" g="0" b="0"/>
+          </a:effectRef>
+          <a:fontRef idx="minor"/>
+        </p:style>
+        <p:txBody>
+          <a:bodyPr lIns="90000" tIns="45000" rIns="90000" bIns="45000" anchor="t"/>
+          <a:lstStyle/>
+          <a:p>
+            <a:pPr marL="274320" indent="-272415">
+              <a:lnSpc>
+                <a:spcPct val="90000"/>
+              </a:lnSpc>
+              <a:spcBef>
+                <a:spcPts val="499"/>
+              </a:spcBef>
+              <a:buClr>
+                <a:srgbClr val="AA2B1E"/>
+              </a:buClr>
+              <a:buFont typeface="Tahoma"/>
+              <a:buChar char="|"/>
+            </a:pPr>
+            <a:endParaRPr lang="en-US" sz="2800" b="0" strike="noStrike" spc="-1" dirty="0">
+              <a:latin typeface="Tahoma"/>
+            </a:endParaRPr>
+          </a:p>
+        </p:txBody>
+      </p:sp>
+      <p:sp>
+        <p:nvSpPr>
+          <p:cNvPr id="94" name="CustomShape 4"/>
+          <p:cNvSpPr/>
+          <p:nvPr/>
+        </p:nvSpPr>
+        <p:spPr>
+          <a:xfrm>
+            <a:off x="304920" y="304920"/>
+            <a:ext cx="5291280" cy="709200"/>
+          </a:xfrm>
+          <a:prstGeom prst="rect">
+            <a:avLst/>
+          </a:prstGeom>
+          <a:noFill/>
+          <a:ln>
+            <a:noFill/>
+          </a:ln>
+        </p:spPr>
+        <p:style>
+          <a:lnRef idx="0">
+            <a:scrgbClr r="0" g="0" b="0"/>
+          </a:lnRef>
+          <a:fillRef idx="0">
+            <a:scrgbClr r="0" g="0" b="0"/>
+          </a:fillRef>
+          <a:effectRef idx="0">
+            <a:scrgbClr r="0" g="0" b="0"/>
+          </a:effectRef>
+          <a:fontRef idx="minor"/>
+        </p:style>
+        <p:txBody>
+          <a:bodyPr lIns="90000" tIns="91440" rIns="90000" bIns="91440" anchor="ctr"/>
+          <a:lstStyle/>
+          <a:p>
+            <a:pPr>
+              <a:lnSpc>
+                <a:spcPct val="100000"/>
+              </a:lnSpc>
+            </a:pPr>
+            <a:r>
+              <a:rPr lang="en-US" sz="1200" b="0" strike="noStrike" spc="-1">
+                <a:solidFill>
+                  <a:srgbClr val="000000"/>
+                </a:solidFill>
+                <a:latin typeface="Times New Roman"/>
+                <a:ea typeface="Times New Roman"/>
+              </a:rPr>
+              <a:t> </a:t>
+            </a:r>
+            <a:endParaRPr lang="en-US" sz="1200" b="0" strike="noStrike" spc="-1">
+              <a:latin typeface="Arial"/>
+            </a:endParaRPr>
+          </a:p>
+        </p:txBody>
+      </p:sp>
+      <p:sp>
+        <p:nvSpPr>
+          <p:cNvPr id="2" name="CustomShape 3">
+            <a:extLst>
+              <a:ext uri="{FF2B5EF4-FFF2-40B4-BE49-F238E27FC236}">
+                <a16:creationId xmlns:a16="http://schemas.microsoft.com/office/drawing/2014/main" id="{35685528-2AEA-51D5-6C36-E6026C03F777}"/>
+              </a:ext>
+            </a:extLst>
+          </p:cNvPr>
+          <p:cNvSpPr/>
+          <p:nvPr/>
+        </p:nvSpPr>
+        <p:spPr>
+          <a:xfrm>
+            <a:off x="457320" y="1359120"/>
+            <a:ext cx="10667880" cy="5180040"/>
+          </a:xfrm>
+          <a:prstGeom prst="rect">
+            <a:avLst/>
+          </a:prstGeom>
+          <a:noFill/>
+          <a:ln>
+            <a:noFill/>
+          </a:ln>
+        </p:spPr>
+        <p:style>
+          <a:lnRef idx="0">
+            <a:scrgbClr r="0" g="0" b="0"/>
+          </a:lnRef>
+          <a:fillRef idx="0">
+            <a:scrgbClr r="0" g="0" b="0"/>
+          </a:fillRef>
+          <a:effectRef idx="0">
+            <a:scrgbClr r="0" g="0" b="0"/>
+          </a:effectRef>
+          <a:fontRef idx="minor"/>
+        </p:style>
+        <p:txBody>
+          <a:bodyPr lIns="90000" tIns="45000" rIns="90000" bIns="45000" anchor="t"/>
+          <a:lstStyle/>
+          <a:p>
+            <a:pPr marL="274320" indent="-272415">
+              <a:lnSpc>
+                <a:spcPct val="90000"/>
+              </a:lnSpc>
+              <a:spcBef>
+                <a:spcPts val="499"/>
+              </a:spcBef>
+              <a:buClr>
+                <a:srgbClr val="AA2B1E"/>
+              </a:buClr>
+              <a:buFont typeface="Tahoma"/>
+              <a:buChar char="|"/>
+            </a:pPr>
+            <a:r>
+              <a:rPr lang="en-US" sz="2800" b="0" strike="noStrike" spc="-1" dirty="0">
+                <a:solidFill>
+                  <a:srgbClr val="000000"/>
+                </a:solidFill>
+                <a:latin typeface="Tahoma"/>
+                <a:ea typeface="Tahoma"/>
+              </a:rPr>
+              <a:t>Architecture design space explorations with Sim-X</a:t>
+            </a:r>
+          </a:p>
+          <a:p>
+            <a:pPr marL="274320" indent="-272415">
+              <a:lnSpc>
+                <a:spcPct val="90000"/>
+              </a:lnSpc>
+              <a:spcBef>
+                <a:spcPts val="499"/>
+              </a:spcBef>
+              <a:buClr>
+                <a:srgbClr val="AA2B1E"/>
+              </a:buClr>
+              <a:buFont typeface="Tahoma"/>
+              <a:buChar char="|"/>
+            </a:pPr>
+            <a:r>
+              <a:rPr lang="en-US" sz="2800" b="0" strike="noStrike" spc="-1" dirty="0">
+                <a:solidFill>
+                  <a:srgbClr val="000000"/>
+                </a:solidFill>
+                <a:latin typeface="Tahoma"/>
+                <a:ea typeface="Tahoma"/>
+              </a:rPr>
+              <a:t>Microarchitecture studies </a:t>
+            </a:r>
+          </a:p>
+          <a:p>
+            <a:pPr marL="731520" lvl="1" indent="-272415">
+              <a:lnSpc>
+                <a:spcPct val="90000"/>
+              </a:lnSpc>
+              <a:spcBef>
+                <a:spcPts val="499"/>
+              </a:spcBef>
+              <a:buClr>
+                <a:srgbClr val="AA2B1E"/>
+              </a:buClr>
+              <a:buFont typeface="Tahoma"/>
+              <a:buChar char="|"/>
+            </a:pPr>
+            <a:r>
+              <a:rPr lang="en-US" sz="2800" b="0" strike="noStrike" spc="-1" dirty="0">
+                <a:solidFill>
+                  <a:srgbClr val="000000"/>
+                </a:solidFill>
+                <a:latin typeface="Tahoma"/>
+                <a:ea typeface="Tahoma"/>
+              </a:rPr>
+              <a:t>Add different prefetchers </a:t>
+            </a:r>
+          </a:p>
+          <a:p>
+            <a:pPr marL="731520" lvl="1" indent="-272415">
+              <a:lnSpc>
+                <a:spcPct val="90000"/>
+              </a:lnSpc>
+              <a:spcBef>
+                <a:spcPts val="499"/>
+              </a:spcBef>
+              <a:buClr>
+                <a:srgbClr val="AA2B1E"/>
+              </a:buClr>
+              <a:buFont typeface="Tahoma"/>
+              <a:buChar char="|"/>
+            </a:pPr>
+            <a:r>
+              <a:rPr lang="en-US" sz="2800" spc="-1" dirty="0">
+                <a:solidFill>
+                  <a:srgbClr val="000000"/>
+                </a:solidFill>
+                <a:latin typeface="Tahoma"/>
+                <a:ea typeface="Tahoma"/>
+              </a:rPr>
+              <a:t>Different cache hierarchies </a:t>
+            </a:r>
+          </a:p>
+          <a:p>
+            <a:pPr marL="274320" indent="-272415">
+              <a:lnSpc>
+                <a:spcPct val="90000"/>
+              </a:lnSpc>
+              <a:spcBef>
+                <a:spcPts val="499"/>
+              </a:spcBef>
+              <a:buClr>
+                <a:srgbClr val="AA2B1E"/>
+              </a:buClr>
+              <a:buFont typeface="Tahoma"/>
+              <a:buChar char="|"/>
+            </a:pPr>
+            <a:r>
+              <a:rPr lang="en-US" sz="2800" b="0" strike="noStrike" spc="-1" dirty="0">
+                <a:solidFill>
+                  <a:srgbClr val="000000"/>
+                </a:solidFill>
+                <a:latin typeface="Tahoma"/>
+                <a:ea typeface="Tahoma"/>
+              </a:rPr>
+              <a:t>Integration with SOC designs </a:t>
+            </a:r>
+          </a:p>
+          <a:p>
+            <a:pPr marL="731520" lvl="1" indent="-272415">
+              <a:lnSpc>
+                <a:spcPct val="90000"/>
+              </a:lnSpc>
+              <a:spcBef>
+                <a:spcPts val="499"/>
+              </a:spcBef>
+              <a:buClr>
+                <a:srgbClr val="AA2B1E"/>
+              </a:buClr>
+              <a:buFont typeface="Tahoma"/>
+              <a:buChar char="|"/>
+            </a:pPr>
+            <a:r>
+              <a:rPr lang="en-US" sz="2800" spc="-1" dirty="0">
+                <a:solidFill>
+                  <a:srgbClr val="000000"/>
+                </a:solidFill>
+                <a:latin typeface="Tahoma"/>
+                <a:ea typeface="Tahoma"/>
+              </a:rPr>
+              <a:t>On-going work with Columbia ESP project </a:t>
+            </a:r>
+          </a:p>
+          <a:p>
+            <a:pPr marL="274320" indent="-272415">
+              <a:lnSpc>
+                <a:spcPct val="90000"/>
+              </a:lnSpc>
+              <a:spcBef>
+                <a:spcPts val="499"/>
+              </a:spcBef>
+              <a:buClr>
+                <a:srgbClr val="AA2B1E"/>
+              </a:buClr>
+              <a:buFont typeface="Tahoma"/>
+              <a:buChar char="|"/>
+            </a:pPr>
+            <a:endParaRPr lang="en-US" sz="2800" b="0" strike="noStrike" spc="-1" dirty="0">
+              <a:solidFill>
+                <a:srgbClr val="000000"/>
+              </a:solidFill>
+              <a:latin typeface="Tahoma"/>
+              <a:ea typeface="Tahoma"/>
+            </a:endParaRPr>
+          </a:p>
+        </p:txBody>
+      </p:sp>
+    </p:spTree>
+    <p:extLst>
+      <p:ext uri="{BB962C8B-B14F-4D97-AF65-F5344CB8AC3E}">
+        <p14:creationId xmlns:p14="http://schemas.microsoft.com/office/powerpoint/2010/main" val="633566540"/>
+      </p:ext>
+    </p:extLst>
+  </p:cSld>
+  <p:clrMapOvr>
+    <a:masterClrMapping/>
+  </p:clrMapOvr>
+  <p:transition>
+    <p:fade/>
+  </p:transition>
+  <p:timing>
+    <p:tnLst>
+      <p:par>
+        <p:cTn id="1" dur="indefinite" restart="never" nodeType="tmRoot">
+          <p:childTnLst>
+            <p:seq>
+              <p:cTn id="2" dur="indefinite" nodeType="mainSeq"/>
+              <p:prevCondLst>
+                <p:cond evt="onPrev" delay="0">
+                  <p:tgtEl>
+                    <p:sldTgt/>
+                  </p:tgtEl>
+                </p:cond>
+              </p:prevCondLst>
+              <p:nextCondLst>
+                <p:cond evt="onNext" delay="0">
+                  <p:tgtEl>
+                    <p:sldTgt/>
+                  </p:tgtEl>
+                </p:cond>
+              </p:nextCondLst>
+            </p:seq>
+          </p:childTnLst>
+        </p:cTn>
+      </p:par>
+    </p:tnLst>
+  </p:timing>
+</p:sld>
+</file>
+
+<file path=ppt/slides/slide13.xml><?xml version="1.0" encoding="utf-8"?>
+<p:sld xmlns:a="http://schemas.openxmlformats.org/drawingml/2006/main" xmlns:r="http://schemas.openxmlformats.org/officeDocument/2006/relationships" xmlns:p="http://schemas.openxmlformats.org/presentationml/2006/main">
+  <p:cSld>
+    <p:spTree>
+      <p:nvGrpSpPr>
+        <p:cNvPr id="1" name=""/>
+        <p:cNvGrpSpPr/>
+        <p:nvPr/>
+      </p:nvGrpSpPr>
+      <p:grpSpPr>
+        <a:xfrm>
+          <a:off x="0" y="0"/>
+          <a:ext cx="0" cy="0"/>
+          <a:chOff x="0" y="0"/>
+          <a:chExt cx="0" cy="0"/>
+        </a:xfrm>
+      </p:grpSpPr>
+      <p:sp>
+        <p:nvSpPr>
+          <p:cNvPr id="91" name="CustomShape 1"/>
+          <p:cNvSpPr/>
+          <p:nvPr/>
+        </p:nvSpPr>
+        <p:spPr>
+          <a:xfrm>
+            <a:off x="304920" y="152280"/>
+            <a:ext cx="11276280" cy="836640"/>
+          </a:xfrm>
+          <a:prstGeom prst="rect">
+            <a:avLst/>
+          </a:prstGeom>
+          <a:noFill/>
+          <a:ln>
+            <a:noFill/>
+          </a:ln>
+        </p:spPr>
+        <p:style>
+          <a:lnRef idx="0">
+            <a:scrgbClr r="0" g="0" b="0"/>
+          </a:lnRef>
+          <a:fillRef idx="0">
+            <a:scrgbClr r="0" g="0" b="0"/>
+          </a:fillRef>
+          <a:effectRef idx="0">
+            <a:scrgbClr r="0" g="0" b="0"/>
+          </a:effectRef>
+          <a:fontRef idx="minor"/>
+        </p:style>
+        <p:txBody>
+          <a:bodyPr lIns="90000" tIns="45000" rIns="90000" bIns="45000" anchor="b"/>
+          <a:lstStyle/>
+          <a:p>
+            <a:pPr>
+              <a:lnSpc>
+                <a:spcPct val="100000"/>
+              </a:lnSpc>
+            </a:pPr>
+            <a:r>
+              <a:rPr lang="en-US" sz="3200" b="1" strike="noStrike" spc="-1" dirty="0">
+                <a:solidFill>
+                  <a:srgbClr val="1F394D"/>
+                </a:solidFill>
+                <a:latin typeface="Tahoma"/>
+                <a:ea typeface="Tahoma"/>
+              </a:rPr>
+              <a:t>Looking for contributions </a:t>
+            </a:r>
+            <a:endParaRPr lang="en-US" sz="3200" b="0" strike="noStrike" spc="-1" dirty="0">
+              <a:latin typeface="Arial"/>
+            </a:endParaRPr>
+          </a:p>
+        </p:txBody>
+      </p:sp>
+      <p:sp>
+        <p:nvSpPr>
+          <p:cNvPr id="92" name="CustomShape 2"/>
+          <p:cNvSpPr/>
+          <p:nvPr/>
+        </p:nvSpPr>
+        <p:spPr>
+          <a:xfrm>
+            <a:off x="304920" y="6579360"/>
+            <a:ext cx="7821720" cy="227160"/>
+          </a:xfrm>
+          <a:prstGeom prst="rect">
+            <a:avLst/>
+          </a:prstGeom>
+          <a:noFill/>
+          <a:ln>
+            <a:noFill/>
+          </a:ln>
+        </p:spPr>
+        <p:style>
+          <a:lnRef idx="0">
+            <a:scrgbClr r="0" g="0" b="0"/>
+          </a:lnRef>
+          <a:fillRef idx="0">
+            <a:scrgbClr r="0" g="0" b="0"/>
+          </a:fillRef>
+          <a:effectRef idx="0">
+            <a:scrgbClr r="0" g="0" b="0"/>
+          </a:effectRef>
+          <a:fontRef idx="minor"/>
+        </p:style>
+        <p:txBody>
+          <a:bodyPr lIns="90000" tIns="45000" rIns="90000" bIns="45000"/>
+          <a:lstStyle/>
+          <a:p>
+            <a:pPr>
+              <a:lnSpc>
+                <a:spcPct val="100000"/>
+              </a:lnSpc>
+            </a:pPr>
+            <a:r>
+              <a:rPr lang="en-US" sz="1200" b="0" strike="noStrike" spc="-1">
+                <a:solidFill>
+                  <a:srgbClr val="000000"/>
+                </a:solidFill>
+                <a:latin typeface="Tahoma"/>
+                <a:ea typeface="Tahoma"/>
+              </a:rPr>
+              <a:t> </a:t>
+            </a:r>
+            <a:endParaRPr lang="en-US" sz="1200" b="0" strike="noStrike" spc="-1">
+              <a:latin typeface="Arial"/>
+            </a:endParaRPr>
+          </a:p>
+        </p:txBody>
+      </p:sp>
+      <p:sp>
+        <p:nvSpPr>
+          <p:cNvPr id="93" name="CustomShape 3"/>
+          <p:cNvSpPr/>
+          <p:nvPr/>
+        </p:nvSpPr>
+        <p:spPr>
+          <a:xfrm>
+            <a:off x="304920" y="1206720"/>
+            <a:ext cx="10667880" cy="5180040"/>
+          </a:xfrm>
+          <a:prstGeom prst="rect">
+            <a:avLst/>
+          </a:prstGeom>
+          <a:noFill/>
+          <a:ln>
+            <a:noFill/>
+          </a:ln>
+        </p:spPr>
+        <p:style>
+          <a:lnRef idx="0">
+            <a:scrgbClr r="0" g="0" b="0"/>
+          </a:lnRef>
+          <a:fillRef idx="0">
+            <a:scrgbClr r="0" g="0" b="0"/>
+          </a:fillRef>
+          <a:effectRef idx="0">
+            <a:scrgbClr r="0" g="0" b="0"/>
+          </a:effectRef>
+          <a:fontRef idx="minor"/>
+        </p:style>
+        <p:txBody>
+          <a:bodyPr lIns="90000" tIns="45000" rIns="90000" bIns="45000" anchor="t"/>
+          <a:lstStyle/>
+          <a:p>
+            <a:pPr marL="274320" indent="-272415">
+              <a:lnSpc>
+                <a:spcPct val="90000"/>
+              </a:lnSpc>
+              <a:spcBef>
+                <a:spcPts val="499"/>
+              </a:spcBef>
+              <a:buClr>
+                <a:srgbClr val="AA2B1E"/>
+              </a:buClr>
+              <a:buFont typeface="Tahoma"/>
+              <a:buChar char="|"/>
+            </a:pPr>
+            <a:endParaRPr lang="en-US" sz="2800" b="0" strike="noStrike" spc="-1" dirty="0">
+              <a:latin typeface="Tahoma"/>
+            </a:endParaRPr>
+          </a:p>
+        </p:txBody>
+      </p:sp>
+      <p:sp>
+        <p:nvSpPr>
+          <p:cNvPr id="94" name="CustomShape 4"/>
+          <p:cNvSpPr/>
+          <p:nvPr/>
+        </p:nvSpPr>
+        <p:spPr>
+          <a:xfrm>
+            <a:off x="304920" y="304920"/>
+            <a:ext cx="5291280" cy="709200"/>
+          </a:xfrm>
+          <a:prstGeom prst="rect">
+            <a:avLst/>
+          </a:prstGeom>
+          <a:noFill/>
+          <a:ln>
+            <a:noFill/>
+          </a:ln>
+        </p:spPr>
+        <p:style>
+          <a:lnRef idx="0">
+            <a:scrgbClr r="0" g="0" b="0"/>
+          </a:lnRef>
+          <a:fillRef idx="0">
+            <a:scrgbClr r="0" g="0" b="0"/>
+          </a:fillRef>
+          <a:effectRef idx="0">
+            <a:scrgbClr r="0" g="0" b="0"/>
+          </a:effectRef>
+          <a:fontRef idx="minor"/>
+        </p:style>
+        <p:txBody>
+          <a:bodyPr lIns="90000" tIns="91440" rIns="90000" bIns="91440" anchor="ctr"/>
+          <a:lstStyle/>
+          <a:p>
+            <a:pPr>
+              <a:lnSpc>
+                <a:spcPct val="100000"/>
+              </a:lnSpc>
+            </a:pPr>
+            <a:r>
+              <a:rPr lang="en-US" sz="1200" b="0" strike="noStrike" spc="-1">
+                <a:solidFill>
+                  <a:srgbClr val="000000"/>
+                </a:solidFill>
+                <a:latin typeface="Times New Roman"/>
+                <a:ea typeface="Times New Roman"/>
+              </a:rPr>
+              <a:t> </a:t>
+            </a:r>
+            <a:endParaRPr lang="en-US" sz="1200" b="0" strike="noStrike" spc="-1">
+              <a:latin typeface="Arial"/>
+            </a:endParaRPr>
+          </a:p>
+        </p:txBody>
+      </p:sp>
+      <p:sp>
+        <p:nvSpPr>
+          <p:cNvPr id="2" name="CustomShape 3">
+            <a:extLst>
+              <a:ext uri="{FF2B5EF4-FFF2-40B4-BE49-F238E27FC236}">
+                <a16:creationId xmlns:a16="http://schemas.microsoft.com/office/drawing/2014/main" id="{35685528-2AEA-51D5-6C36-E6026C03F777}"/>
+              </a:ext>
+            </a:extLst>
+          </p:cNvPr>
+          <p:cNvSpPr/>
+          <p:nvPr/>
+        </p:nvSpPr>
+        <p:spPr>
+          <a:xfrm>
+            <a:off x="457320" y="1359120"/>
+            <a:ext cx="10667880" cy="5180040"/>
+          </a:xfrm>
+          <a:prstGeom prst="rect">
+            <a:avLst/>
+          </a:prstGeom>
+          <a:noFill/>
+          <a:ln>
+            <a:noFill/>
+          </a:ln>
+        </p:spPr>
+        <p:style>
+          <a:lnRef idx="0">
+            <a:scrgbClr r="0" g="0" b="0"/>
+          </a:lnRef>
+          <a:fillRef idx="0">
+            <a:scrgbClr r="0" g="0" b="0"/>
+          </a:fillRef>
+          <a:effectRef idx="0">
+            <a:scrgbClr r="0" g="0" b="0"/>
+          </a:effectRef>
+          <a:fontRef idx="minor"/>
+        </p:style>
+        <p:txBody>
+          <a:bodyPr lIns="90000" tIns="45000" rIns="90000" bIns="45000" anchor="t"/>
+          <a:lstStyle/>
+          <a:p>
+            <a:pPr marL="274320" indent="-272415">
+              <a:lnSpc>
+                <a:spcPct val="90000"/>
+              </a:lnSpc>
+              <a:spcBef>
+                <a:spcPts val="499"/>
+              </a:spcBef>
+              <a:buClr>
+                <a:srgbClr val="AA2B1E"/>
+              </a:buClr>
+              <a:buFont typeface="Tahoma"/>
+              <a:buChar char="|"/>
+            </a:pPr>
+            <a:r>
+              <a:rPr lang="en-US" sz="2800" spc="-1" dirty="0">
+                <a:solidFill>
+                  <a:srgbClr val="000000"/>
+                </a:solidFill>
+                <a:latin typeface="Tahoma"/>
+                <a:ea typeface="Tahoma"/>
+              </a:rPr>
+              <a:t>RTL design additions</a:t>
+            </a:r>
+          </a:p>
+          <a:p>
+            <a:pPr marL="274320" indent="-272415">
+              <a:lnSpc>
+                <a:spcPct val="90000"/>
+              </a:lnSpc>
+              <a:spcBef>
+                <a:spcPts val="499"/>
+              </a:spcBef>
+              <a:buClr>
+                <a:srgbClr val="AA2B1E"/>
+              </a:buClr>
+              <a:buFont typeface="Tahoma"/>
+              <a:buChar char="|"/>
+            </a:pPr>
+            <a:r>
+              <a:rPr lang="en-US" sz="2800" spc="-1" dirty="0">
+                <a:solidFill>
+                  <a:srgbClr val="000000"/>
+                </a:solidFill>
+                <a:latin typeface="Tahoma"/>
+                <a:ea typeface="Tahoma"/>
+              </a:rPr>
+              <a:t>Programming support </a:t>
+            </a:r>
+          </a:p>
+          <a:p>
+            <a:pPr marL="274320" indent="-272415">
+              <a:lnSpc>
+                <a:spcPct val="90000"/>
+              </a:lnSpc>
+              <a:spcBef>
+                <a:spcPts val="499"/>
+              </a:spcBef>
+              <a:buClr>
+                <a:srgbClr val="AA2B1E"/>
+              </a:buClr>
+              <a:buFont typeface="Tahoma"/>
+              <a:buChar char="|"/>
+            </a:pPr>
+            <a:r>
+              <a:rPr lang="en-US" sz="2800" spc="-1" dirty="0">
+                <a:solidFill>
+                  <a:srgbClr val="000000"/>
+                </a:solidFill>
+                <a:latin typeface="Tahoma"/>
+                <a:ea typeface="Tahoma"/>
+              </a:rPr>
+              <a:t>Platform support </a:t>
+            </a:r>
+          </a:p>
+          <a:p>
+            <a:pPr marL="274320" indent="-272415">
+              <a:lnSpc>
+                <a:spcPct val="90000"/>
+              </a:lnSpc>
+              <a:spcBef>
+                <a:spcPts val="499"/>
+              </a:spcBef>
+              <a:buClr>
+                <a:srgbClr val="AA2B1E"/>
+              </a:buClr>
+              <a:buFont typeface="Tahoma"/>
+              <a:buChar char="|"/>
+            </a:pPr>
+            <a:endParaRPr lang="en-US" sz="2800" spc="-1" dirty="0">
+              <a:solidFill>
+                <a:srgbClr val="000000"/>
+              </a:solidFill>
+              <a:latin typeface="Tahoma"/>
+              <a:ea typeface="Tahoma"/>
+            </a:endParaRPr>
+          </a:p>
+          <a:p>
+            <a:pPr marL="274320" indent="-272415">
+              <a:lnSpc>
+                <a:spcPct val="90000"/>
+              </a:lnSpc>
+              <a:spcBef>
+                <a:spcPts val="499"/>
+              </a:spcBef>
+              <a:buClr>
+                <a:srgbClr val="AA2B1E"/>
+              </a:buClr>
+              <a:buFont typeface="Tahoma"/>
+              <a:buChar char="|"/>
+            </a:pPr>
+            <a:r>
+              <a:rPr lang="en-US" sz="2800" spc="-1" dirty="0">
+                <a:solidFill>
+                  <a:srgbClr val="000000"/>
+                </a:solidFill>
+                <a:latin typeface="Tahoma"/>
+                <a:ea typeface="Tahoma"/>
+              </a:rPr>
+              <a:t>Please contact us </a:t>
+            </a:r>
+            <a:r>
+              <a:rPr lang="en-US" sz="2800" spc="-1" dirty="0">
+                <a:solidFill>
+                  <a:srgbClr val="000000"/>
+                </a:solidFill>
+                <a:latin typeface="Tahoma"/>
+                <a:ea typeface="Tahoma"/>
+                <a:hlinkClick r:id="rId3"/>
+              </a:rPr>
+              <a:t>vortexgpu@cc.gatech.edu</a:t>
+            </a:r>
+            <a:r>
+              <a:rPr lang="en-US" sz="2800" spc="-1">
+                <a:solidFill>
+                  <a:srgbClr val="000000"/>
+                </a:solidFill>
+                <a:latin typeface="Tahoma"/>
+                <a:ea typeface="Tahoma"/>
+              </a:rPr>
+              <a:t>  </a:t>
+            </a:r>
+            <a:endParaRPr lang="en-US" sz="2800" b="0" strike="noStrike" spc="-1" dirty="0">
+              <a:solidFill>
+                <a:srgbClr val="000000"/>
+              </a:solidFill>
+              <a:latin typeface="Tahoma"/>
+              <a:ea typeface="Tahoma"/>
+            </a:endParaRPr>
+          </a:p>
+        </p:txBody>
+      </p:sp>
+    </p:spTree>
+    <p:extLst>
+      <p:ext uri="{BB962C8B-B14F-4D97-AF65-F5344CB8AC3E}">
+        <p14:creationId xmlns:p14="http://schemas.microsoft.com/office/powerpoint/2010/main" val="234970192"/>
+      </p:ext>
+    </p:extLst>
+  </p:cSld>
+  <p:clrMapOvr>
+    <a:masterClrMapping/>
+  </p:clrMapOvr>
+  <p:transition>
+    <p:fade/>
+  </p:transition>
+  <p:timing>
+    <p:tnLst>
+      <p:par>
+        <p:cTn id="1" dur="indefinite" restart="never" nodeType="tmRoot">
+          <p:childTnLst>
+            <p:seq>
+              <p:cTn id="2" dur="indefinite" nodeType="mainSeq"/>
+              <p:prevCondLst>
+                <p:cond evt="onPrev" delay="0">
+                  <p:tgtEl>
+                    <p:sldTgt/>
+                  </p:tgtEl>
+                </p:cond>
+              </p:prevCondLst>
+              <p:nextCondLst>
+                <p:cond evt="onNext" delay="0">
+                  <p:tgtEl>
+                    <p:sldTgt/>
+                  </p:tgtEl>
+                </p:cond>
+              </p:nextCondLst>
+            </p:seq>
+          </p:childTnLst>
+        </p:cTn>
+      </p:par>
+    </p:tnLst>
+  </p:timing>
+</p:sld>
+</file>
+
+<file path=ppt/slides/slide14.xml><?xml version="1.0" encoding="utf-8"?>
+<p:sld xmlns:a="http://schemas.openxmlformats.org/drawingml/2006/main" xmlns:r="http://schemas.openxmlformats.org/officeDocument/2006/relationships" xmlns:p="http://schemas.openxmlformats.org/presentationml/2006/main">
+  <p:cSld>
+    <p:spTree>
+      <p:nvGrpSpPr>
+        <p:cNvPr id="1" name=""/>
+        <p:cNvGrpSpPr/>
+        <p:nvPr/>
+      </p:nvGrpSpPr>
+      <p:grpSpPr>
+        <a:xfrm>
+          <a:off x="0" y="0"/>
+          <a:ext cx="0" cy="0"/>
+          <a:chOff x="0" y="0"/>
+          <a:chExt cx="0" cy="0"/>
+        </a:xfrm>
+      </p:grpSpPr>
+      <p:sp>
+        <p:nvSpPr>
+          <p:cNvPr id="91" name="CustomShape 1"/>
+          <p:cNvSpPr/>
+          <p:nvPr/>
+        </p:nvSpPr>
+        <p:spPr>
+          <a:xfrm>
+            <a:off x="304920" y="152280"/>
+            <a:ext cx="11276280" cy="836640"/>
+          </a:xfrm>
+          <a:prstGeom prst="rect">
+            <a:avLst/>
+          </a:prstGeom>
+          <a:noFill/>
+          <a:ln>
+            <a:noFill/>
+          </a:ln>
+        </p:spPr>
+        <p:style>
+          <a:lnRef idx="0">
+            <a:scrgbClr r="0" g="0" b="0"/>
+          </a:lnRef>
+          <a:fillRef idx="0">
+            <a:scrgbClr r="0" g="0" b="0"/>
+          </a:fillRef>
+          <a:effectRef idx="0">
+            <a:scrgbClr r="0" g="0" b="0"/>
+          </a:effectRef>
+          <a:fontRef idx="minor"/>
+        </p:style>
+        <p:txBody>
+          <a:bodyPr lIns="90000" tIns="45000" rIns="90000" bIns="45000" anchor="b"/>
+          <a:lstStyle/>
+          <a:p>
+            <a:pPr>
+              <a:lnSpc>
+                <a:spcPct val="100000"/>
+              </a:lnSpc>
+            </a:pPr>
+            <a:r>
+              <a:rPr lang="en-US" sz="3200" b="1" strike="noStrike" spc="-1" dirty="0">
+                <a:solidFill>
+                  <a:srgbClr val="1F394D"/>
+                </a:solidFill>
+                <a:latin typeface="Tahoma"/>
+                <a:ea typeface="Tahoma"/>
+              </a:rPr>
+              <a:t>Now Open Discussions</a:t>
+            </a:r>
+            <a:endParaRPr lang="en-US" sz="3200" b="0" strike="noStrike" spc="-1" dirty="0">
+              <a:latin typeface="Arial"/>
+            </a:endParaRPr>
+          </a:p>
+        </p:txBody>
+      </p:sp>
+      <p:sp>
+        <p:nvSpPr>
+          <p:cNvPr id="92" name="CustomShape 2"/>
+          <p:cNvSpPr/>
+          <p:nvPr/>
+        </p:nvSpPr>
+        <p:spPr>
+          <a:xfrm>
+            <a:off x="304920" y="6579360"/>
+            <a:ext cx="7821720" cy="227160"/>
+          </a:xfrm>
+          <a:prstGeom prst="rect">
+            <a:avLst/>
+          </a:prstGeom>
+          <a:noFill/>
+          <a:ln>
+            <a:noFill/>
+          </a:ln>
+        </p:spPr>
+        <p:style>
+          <a:lnRef idx="0">
+            <a:scrgbClr r="0" g="0" b="0"/>
+          </a:lnRef>
+          <a:fillRef idx="0">
+            <a:scrgbClr r="0" g="0" b="0"/>
+          </a:fillRef>
+          <a:effectRef idx="0">
+            <a:scrgbClr r="0" g="0" b="0"/>
+          </a:effectRef>
+          <a:fontRef idx="minor"/>
+        </p:style>
+        <p:txBody>
+          <a:bodyPr lIns="90000" tIns="45000" rIns="90000" bIns="45000"/>
+          <a:lstStyle/>
+          <a:p>
+            <a:pPr>
+              <a:lnSpc>
+                <a:spcPct val="100000"/>
+              </a:lnSpc>
+            </a:pPr>
+            <a:r>
+              <a:rPr lang="en-US" sz="1200" b="0" strike="noStrike" spc="-1">
+                <a:solidFill>
+                  <a:srgbClr val="000000"/>
+                </a:solidFill>
+                <a:latin typeface="Tahoma"/>
+                <a:ea typeface="Tahoma"/>
+              </a:rPr>
+              <a:t> </a:t>
+            </a:r>
+            <a:endParaRPr lang="en-US" sz="1200" b="0" strike="noStrike" spc="-1">
+              <a:latin typeface="Arial"/>
+            </a:endParaRPr>
+          </a:p>
+        </p:txBody>
+      </p:sp>
+      <p:sp>
+        <p:nvSpPr>
+          <p:cNvPr id="93" name="CustomShape 3"/>
+          <p:cNvSpPr/>
+          <p:nvPr/>
+        </p:nvSpPr>
+        <p:spPr>
+          <a:xfrm>
+            <a:off x="304920" y="1206720"/>
+            <a:ext cx="10667880" cy="5180040"/>
+          </a:xfrm>
+          <a:prstGeom prst="rect">
+            <a:avLst/>
+          </a:prstGeom>
+          <a:noFill/>
+          <a:ln>
+            <a:noFill/>
+          </a:ln>
+        </p:spPr>
+        <p:style>
+          <a:lnRef idx="0">
+            <a:scrgbClr r="0" g="0" b="0"/>
+          </a:lnRef>
+          <a:fillRef idx="0">
+            <a:scrgbClr r="0" g="0" b="0"/>
+          </a:fillRef>
+          <a:effectRef idx="0">
+            <a:scrgbClr r="0" g="0" b="0"/>
+          </a:effectRef>
+          <a:fontRef idx="minor"/>
+        </p:style>
+        <p:txBody>
+          <a:bodyPr lIns="90000" tIns="45000" rIns="90000" bIns="45000" anchor="t"/>
+          <a:lstStyle/>
+          <a:p>
+            <a:pPr marL="274320" indent="-272415">
+              <a:lnSpc>
+                <a:spcPct val="90000"/>
+              </a:lnSpc>
+              <a:spcBef>
+                <a:spcPts val="499"/>
+              </a:spcBef>
+              <a:buClr>
+                <a:srgbClr val="AA2B1E"/>
+              </a:buClr>
+              <a:buFont typeface="Tahoma"/>
+              <a:buChar char="|"/>
+            </a:pPr>
+            <a:endParaRPr lang="en-US" sz="2800" b="0" strike="noStrike" spc="-1" dirty="0">
+              <a:latin typeface="Tahoma"/>
+            </a:endParaRPr>
+          </a:p>
+        </p:txBody>
+      </p:sp>
+      <p:sp>
+        <p:nvSpPr>
+          <p:cNvPr id="94" name="CustomShape 4"/>
+          <p:cNvSpPr/>
+          <p:nvPr/>
+        </p:nvSpPr>
+        <p:spPr>
+          <a:xfrm>
+            <a:off x="304920" y="304920"/>
+            <a:ext cx="5291280" cy="709200"/>
+          </a:xfrm>
+          <a:prstGeom prst="rect">
+            <a:avLst/>
+          </a:prstGeom>
+          <a:noFill/>
+          <a:ln>
+            <a:noFill/>
+          </a:ln>
+        </p:spPr>
+        <p:style>
+          <a:lnRef idx="0">
+            <a:scrgbClr r="0" g="0" b="0"/>
+          </a:lnRef>
+          <a:fillRef idx="0">
+            <a:scrgbClr r="0" g="0" b="0"/>
+          </a:fillRef>
+          <a:effectRef idx="0">
+            <a:scrgbClr r="0" g="0" b="0"/>
+          </a:effectRef>
+          <a:fontRef idx="minor"/>
+        </p:style>
+        <p:txBody>
+          <a:bodyPr lIns="90000" tIns="91440" rIns="90000" bIns="91440" anchor="ctr"/>
+          <a:lstStyle/>
+          <a:p>
+            <a:pPr>
+              <a:lnSpc>
+                <a:spcPct val="100000"/>
+              </a:lnSpc>
+            </a:pPr>
+            <a:r>
+              <a:rPr lang="en-US" sz="1200" b="0" strike="noStrike" spc="-1">
+                <a:solidFill>
+                  <a:srgbClr val="000000"/>
+                </a:solidFill>
+                <a:latin typeface="Times New Roman"/>
+                <a:ea typeface="Times New Roman"/>
+              </a:rPr>
+              <a:t> </a:t>
+            </a:r>
+            <a:endParaRPr lang="en-US" sz="1200" b="0" strike="noStrike" spc="-1">
+              <a:latin typeface="Arial"/>
+            </a:endParaRPr>
+          </a:p>
+        </p:txBody>
+      </p:sp>
+    </p:spTree>
+    <p:extLst>
+      <p:ext uri="{BB962C8B-B14F-4D97-AF65-F5344CB8AC3E}">
+        <p14:creationId xmlns:p14="http://schemas.microsoft.com/office/powerpoint/2010/main" val="2038510651"/>
       </p:ext>
     </p:extLst>
   </p:cSld>
@@ -7562,16 +9453,26 @@
           <a:lstStyle/>
           <a:p>
             <a:r>
-              <a:rPr lang="en-US" sz="3200" b="1" spc="-1" dirty="0">
+              <a:rPr lang="en-US" sz="3200" b="1" spc="-1">
                 <a:solidFill>
                   <a:srgbClr val="1F394D"/>
                 </a:solidFill>
                 <a:latin typeface="Tahoma"/>
                 <a:ea typeface="Tahoma"/>
               </a:rPr>
-              <a:t>Pre-exercise Setup: VM Download (Recommended)</a:t>
-            </a:r>
-            <a:endParaRPr lang="en-US" sz="3200" b="0" strike="noStrike" spc="-1" dirty="0">
+              <a:t>Pre-exercise Setup: VM Download</a:t>
+            </a:r>
+            <a:r>
+              <a:rPr lang="en-US" sz="3200" b="1" spc="-1" dirty="0">
+                <a:solidFill>
+                  <a:srgbClr val="1F394D"/>
+                </a:solidFill>
+                <a:latin typeface="Tahoma"/>
+                <a:ea typeface="Tahoma"/>
+              </a:rPr>
+              <a:t> (Recommended)</a:t>
+            </a:r>
+            <a:endParaRPr lang="en-US" sz="3200" b="0" strike="noStrike" spc="-1">
               <a:latin typeface="Arial"/>
             </a:endParaRPr>
           </a:p>
@@ -7678,7 +9579,7 @@
               <a:buAutoNum type="arabicPeriod"/>
             </a:pPr>
             <a:r>
-              <a:rPr lang="en-US" sz="3200" spc="-1" dirty="0">
+              <a:rPr lang="en-US" sz="3200" spc="-1">
                 <a:solidFill>
                   <a:srgbClr val="000000"/>
                 </a:solidFill>
@@ -7702,14 +9603,24 @@
               <a:buAutoNum type="arabicPeriod"/>
             </a:pPr>
             <a:r>
-              <a:rPr lang="en-US" sz="3200" spc="-1" dirty="0">
+              <a:rPr lang="en-US" sz="3200" spc="-1">
                 <a:solidFill>
                   <a:srgbClr val="000000"/>
                 </a:solidFill>
                 <a:latin typeface="Tahoma"/>
                 <a:ea typeface="Tahoma"/>
               </a:rPr>
-              <a:t>Download the </a:t>
+              <a:t>Download </a:t>
+            </a:r>
+            <a:r>
+              <a:rPr lang="en-US" sz="3200" spc="-1" dirty="0">
+                <a:solidFill>
+                  <a:srgbClr val="000000"/>
+                </a:solidFill>
+                <a:latin typeface="Tahoma"/>
+                <a:ea typeface="Tahoma"/>
+              </a:rPr>
+              <a:t>the </a:t>
             </a:r>
             <a:r>
               <a:rPr lang="en-US" sz="3200" spc="-1" dirty="0">
@@ -7853,10 +9764,21 @@
                 <a:ea typeface="Tahoma"/>
                 <a:cs typeface="Arial"/>
               </a:rPr>
-              <a:t>Finally, run </a:t>
-            </a:r>
-            <a:r>
-              <a:rPr lang="en-US" sz="3200" spc="-1" dirty="0">
+              <a:t>Finally</a:t>
+            </a:r>
+            <a:r>
+              <a:rPr lang="en-US" sz="3200" spc="-1">
+                <a:solidFill>
+                  <a:srgbClr val="000000"/>
+                </a:solidFill>
+                <a:latin typeface="Tahoma"/>
+                <a:ea typeface="Tahoma"/>
+                <a:cs typeface="Arial"/>
+              </a:rPr>
+              <a:t>, run </a:t>
+            </a:r>
+            <a:r>
+              <a:rPr lang="en-US" sz="3200" spc="-1">
                 <a:latin typeface="Consolas"/>
                 <a:ea typeface="Tahoma"/>
                 <a:cs typeface="Arial"/>
@@ -7864,7 +9786,7 @@
               <a:t>vagrant </a:t>
             </a:r>
             <a:r>
-              <a:rPr lang="en-US" sz="3200" spc="-1" dirty="0" err="1">
+              <a:rPr lang="en-US" sz="3200" spc="-1" err="1">
                 <a:latin typeface="Consolas"/>
                 <a:ea typeface="Tahoma"/>
                 <a:cs typeface="Arial"/>
@@ -7872,7 +9794,7 @@
               <a:t>ssh</a:t>
             </a:r>
             <a:r>
-              <a:rPr lang="en-US" sz="3200" spc="-1" dirty="0">
+              <a:rPr lang="en-US" sz="3200" spc="-1">
                 <a:latin typeface="Consolas"/>
                 <a:ea typeface="Tahoma"/>
                 <a:cs typeface="Arial"/>
@@ -7880,7 +9802,7 @@
               <a:t> </a:t>
             </a:r>
             <a:r>
-              <a:rPr lang="en-US" sz="3200" spc="-1" dirty="0">
+              <a:rPr lang="en-US" sz="3200" spc="-1">
                 <a:latin typeface="Tahoma"/>
                 <a:ea typeface="Tahoma"/>
                 <a:cs typeface="Arial"/>
@@ -7984,16 +9906,26 @@
               <a:buChar char="|"/>
             </a:pPr>
             <a:r>
-              <a:rPr lang="en-US" sz="3200" spc="-1" dirty="0">
+              <a:rPr lang="en-US" sz="3200" spc="-1">
                 <a:solidFill>
                   <a:srgbClr val="000000"/>
                 </a:solidFill>
                 <a:latin typeface="Tahoma"/>
                 <a:ea typeface="Tahoma"/>
               </a:rPr>
-              <a:t>Test Vortex:</a:t>
-            </a:r>
-            <a:endParaRPr lang="fr-FR" sz="3200" b="1" dirty="0">
+              <a:t>Test Vortex</a:t>
+            </a:r>
+            <a:r>
+              <a:rPr lang="en-US" sz="3200" spc="-1" dirty="0">
+                <a:solidFill>
+                  <a:srgbClr val="000000"/>
+                </a:solidFill>
+                <a:latin typeface="Tahoma"/>
+                <a:ea typeface="Tahoma"/>
+              </a:rPr>
+              <a:t>:</a:t>
+            </a:r>
+            <a:endParaRPr lang="fr-FR" sz="3200" b="1">
               <a:latin typeface="Courier New" pitchFamily="49" charset="0"/>
               <a:cs typeface="Courier New" pitchFamily="49" charset="0"/>
             </a:endParaRPr>
@@ -8378,16 +10310,26 @@
           <a:lstStyle/>
           <a:p>
             <a:r>
-              <a:rPr lang="en-US" sz="3200" b="1" spc="-1" dirty="0">
+              <a:rPr lang="en-US" sz="3200" b="1" spc="-1">
                 <a:solidFill>
                   <a:srgbClr val="1F394D"/>
                 </a:solidFill>
                 <a:latin typeface="Tahoma"/>
                 <a:ea typeface="Tahoma"/>
               </a:rPr>
-              <a:t>Pre-exercise Setup: Remote Account in Browser</a:t>
-            </a:r>
-            <a:endParaRPr lang="en-US" sz="3200" b="0" strike="noStrike" spc="-1" dirty="0">
+              <a:t>Pre-exercise Setup: Remote Account</a:t>
+            </a:r>
+            <a:r>
+              <a:rPr lang="en-US" sz="3200" b="1" spc="-1" dirty="0">
+                <a:solidFill>
+                  <a:srgbClr val="1F394D"/>
+                </a:solidFill>
+                <a:latin typeface="Tahoma"/>
+                <a:ea typeface="Tahoma"/>
+              </a:rPr>
+              <a:t> in Browser</a:t>
+            </a:r>
+            <a:endParaRPr lang="en-US" sz="3200" b="0" strike="noStrike" spc="-1">
               <a:latin typeface="Arial"/>
             </a:endParaRPr>
           </a:p>
@@ -9059,16 +11001,16 @@
           <a:lstStyle/>
           <a:p>
             <a:r>
-              <a:rPr lang="en-US" sz="3200" b="1" spc="-1">
+              <a:rPr lang="en-US" sz="3200" b="1" spc="-1" dirty="0">
                 <a:solidFill>
                   <a:srgbClr val="1F394D"/>
                 </a:solidFill>
                 <a:latin typeface="Tahoma"/>
                 <a:ea typeface="Tahoma"/>
               </a:rPr>
-              <a:t>Blackbox</a:t>
-            </a:r>
-            <a:endParaRPr lang="en-US" sz="3200" b="0" strike="noStrike" spc="-1">
+              <a:t>Blackbox </a:t>
+            </a:r>
+            <a:endParaRPr lang="en-US" sz="3200" b="0" strike="noStrike" spc="-1" dirty="0">
               <a:latin typeface="Arial"/>
             </a:endParaRPr>
           </a:p>
@@ -10004,7 +11946,7 @@
               <a:buChar char="|"/>
             </a:pPr>
             <a:r>
-              <a:rPr lang="en-US" sz="2800" spc="-1">
+              <a:rPr lang="en-US" sz="2800" spc="-1" dirty="0">
                 <a:solidFill>
                   <a:srgbClr val="000000"/>
                 </a:solidFill>
@@ -10014,7 +11956,7 @@
               </a:rPr>
               <a:t>Vortex tutorial assignments</a:t>
             </a:r>
-            <a:endParaRPr lang="en-US" sz="2800" spc="-1">
+            <a:endParaRPr lang="en-US" sz="2800" spc="-1" dirty="0">
               <a:latin typeface="Tahoma" pitchFamily="34" charset="0"/>
               <a:ea typeface="Tahoma" pitchFamily="34" charset="0"/>
               <a:cs typeface="Tahoma" pitchFamily="34" charset="0"/>
@@ -10035,7 +11977,7 @@
               <a:buChar char="•"/>
             </a:pPr>
             <a:r>
-              <a:rPr lang="en-US" sz="2800" spc="-1">
+              <a:rPr lang="en-US" sz="2800" spc="-1" dirty="0">
                 <a:solidFill>
                   <a:srgbClr val="232F4E"/>
                 </a:solidFill>
@@ -10045,7 +11987,7 @@
               </a:rPr>
               <a:t>Designed to cover different components of Vortex</a:t>
             </a:r>
-            <a:endParaRPr lang="en-US" sz="2800" b="0" strike="noStrike" spc="-1">
+            <a:endParaRPr lang="en-US" sz="2800" b="0" strike="noStrike" spc="-1" dirty="0">
               <a:solidFill>
                 <a:srgbClr val="232F4E"/>
               </a:solidFill>
@@ -10069,7 +12011,7 @@
               <a:buChar char="•"/>
             </a:pPr>
             <a:r>
-              <a:rPr lang="en-US" sz="2800" spc="-1">
+              <a:rPr lang="en-US" sz="2800" spc="-1" dirty="0">
                 <a:solidFill>
                   <a:srgbClr val="232F4E"/>
                 </a:solidFill>
@@ -10079,7 +12021,7 @@
               </a:rPr>
               <a:t>Introduction assignments for RTL: Assignments #1 &amp; #2</a:t>
             </a:r>
-            <a:endParaRPr lang="en-US" sz="2800" b="0" strike="noStrike" spc="-1">
+            <a:endParaRPr lang="en-US" sz="2800" b="0" strike="noStrike" spc="-1" dirty="0">
               <a:solidFill>
                 <a:srgbClr val="232F4E"/>
               </a:solidFill>
@@ -10103,7 +12045,7 @@
               <a:buChar char="•"/>
             </a:pPr>
             <a:r>
-              <a:rPr lang="en-US" sz="2800" spc="-1">
+              <a:rPr lang="en-US" sz="2800" spc="-1" dirty="0">
                 <a:solidFill>
                   <a:srgbClr val="232F4E"/>
                 </a:solidFill>
@@ -10113,7 +12055,7 @@
               </a:rPr>
               <a:t>How to modify LSU (lost-store unit) and debug: Assignments  #3 &amp; #4</a:t>
             </a:r>
-            <a:endParaRPr lang="en-US" sz="2800" b="0" strike="noStrike" spc="-1">
+            <a:endParaRPr lang="en-US" sz="2800" b="0" strike="noStrike" spc="-1" dirty="0">
               <a:solidFill>
                 <a:srgbClr val="232F4E"/>
               </a:solidFill>
@@ -10137,7 +12079,7 @@
               <a:buChar char="•"/>
             </a:pPr>
             <a:r>
-              <a:rPr lang="en-US" sz="2800" spc="-1">
+              <a:rPr lang="en-US" sz="2800" spc="-1" dirty="0">
                 <a:solidFill>
                   <a:srgbClr val="232F4E"/>
                 </a:solidFill>
@@ -10163,7 +12105,7 @@
               <a:buChar char="•"/>
             </a:pPr>
             <a:r>
-              <a:rPr lang="en-US" sz="2800" spc="-1">
+              <a:rPr lang="en-US" sz="2800" spc="-1" dirty="0">
                 <a:solidFill>
                   <a:srgbClr val="232F4E"/>
                 </a:solidFill>
@@ -10189,7 +12131,7 @@
               <a:buChar char="•"/>
             </a:pPr>
             <a:r>
-              <a:rPr lang="en-US" sz="2800" spc="-1">
+              <a:rPr lang="en-US" sz="2800" spc="-1" dirty="0">
                 <a:solidFill>
                   <a:srgbClr val="232F4E"/>
                 </a:solidFill>
@@ -10201,7 +12143,7 @@
             </a:r>
           </a:p>
           <a:p>
-            <a:pPr marL="548640" lvl="1" indent="-272415">
+            <a:pPr marL="1005840" lvl="2" indent="-272415">
               <a:lnSpc>
                 <a:spcPct val="90000"/>
               </a:lnSpc>
@@ -10211,8 +12153,71 @@
               <a:buClr>
                 <a:srgbClr val="64A73B"/>
               </a:buClr>
-            </a:pPr>
-            <a:endParaRPr lang="en-US" sz="2800" spc="-1">
+              <a:buFont typeface="Noto Sans Symbols"/>
+              <a:buChar char="•"/>
+            </a:pPr>
+            <a:r>
+              <a:rPr lang="en-US" sz="2800" spc="-1" dirty="0">
+                <a:solidFill>
+                  <a:srgbClr val="232F4E"/>
+                </a:solidFill>
+                <a:latin typeface="Tahoma" pitchFamily="34" charset="0"/>
+                <a:ea typeface="Tahoma" pitchFamily="34" charset="0"/>
+                <a:cs typeface="Tahoma" pitchFamily="34" charset="0"/>
+              </a:rPr>
+              <a:t>Please use the old VM (the latest repo already includes the solution)</a:t>
+            </a:r>
+          </a:p>
+          <a:p>
+            <a:pPr marL="548640" lvl="1" indent="-272415">
+              <a:lnSpc>
+                <a:spcPct val="90000"/>
+              </a:lnSpc>
+              <a:spcBef>
+                <a:spcPts val="499"/>
+              </a:spcBef>
+              <a:buClr>
+                <a:srgbClr val="64A73B"/>
+              </a:buClr>
+              <a:buFont typeface="Noto Sans Symbols"/>
+              <a:buChar char="•"/>
+            </a:pPr>
+            <a:r>
+              <a:rPr lang="en-US" sz="2800" spc="-1" dirty="0">
+                <a:solidFill>
+                  <a:srgbClr val="232F4E"/>
+                </a:solidFill>
+                <a:latin typeface="Tahoma" pitchFamily="34" charset="0"/>
+                <a:ea typeface="Tahoma" pitchFamily="34" charset="0"/>
+                <a:cs typeface="Tahoma" pitchFamily="34" charset="0"/>
+              </a:rPr>
+              <a:t>Assignment #6 </a:t>
+            </a:r>
+            <a:r>
+              <a:rPr lang="en-US" sz="2800" spc="-1" dirty="0">
+                <a:solidFill>
+                  <a:srgbClr val="C00000"/>
+                </a:solidFill>
+                <a:latin typeface="Tahoma" pitchFamily="34" charset="0"/>
+                <a:ea typeface="Tahoma" pitchFamily="34" charset="0"/>
+                <a:cs typeface="Tahoma" pitchFamily="34" charset="0"/>
+              </a:rPr>
+              <a:t>New! </a:t>
+            </a:r>
+          </a:p>
+          <a:p>
+            <a:pPr marL="548640" lvl="1" indent="-272415">
+              <a:lnSpc>
+                <a:spcPct val="90000"/>
+              </a:lnSpc>
+              <a:spcBef>
+                <a:spcPts val="499"/>
+              </a:spcBef>
+              <a:buClr>
+                <a:srgbClr val="64A73B"/>
+              </a:buClr>
+            </a:pPr>
+            <a:endParaRPr lang="en-US" sz="2800" spc="-1" dirty="0">
               <a:latin typeface="Tahoma" pitchFamily="34" charset="0"/>
               <a:ea typeface="Tahoma" pitchFamily="34" charset="0"/>
               <a:cs typeface="Tahoma" pitchFamily="34" charset="0"/>
@@ -10230,13 +12235,58 @@
               <a:buChar char="|"/>
             </a:pPr>
             <a:r>
-              <a:rPr lang="en-US" sz="2800" spc="-1">
+              <a:rPr lang="en-US" sz="2800" spc="-1" dirty="0">
                 <a:latin typeface="Tahoma" pitchFamily="34" charset="0"/>
                 <a:ea typeface="Tahoma" pitchFamily="34" charset="0"/>
                 <a:cs typeface="Tahoma" pitchFamily="34" charset="0"/>
               </a:rPr>
-              <a:t>https://github.com/vortexgpgpu/vortex_tutorials.git</a:t>
-            </a:r>
+              <a:t>https://</a:t>
+            </a:r>
+            <a:r>
+              <a:rPr lang="en-US" sz="2800" spc="-1" dirty="0" err="1">
+                <a:latin typeface="Tahoma" pitchFamily="34" charset="0"/>
+                <a:ea typeface="Tahoma" pitchFamily="34" charset="0"/>
+                <a:cs typeface="Tahoma" pitchFamily="34" charset="0"/>
+              </a:rPr>
+              <a:t>github.com</a:t>
+            </a:r>
+            <a:r>
+              <a:rPr lang="en-US" sz="2800" spc="-1" dirty="0">
+                <a:latin typeface="Tahoma" pitchFamily="34" charset="0"/>
+                <a:ea typeface="Tahoma" pitchFamily="34" charset="0"/>
+                <a:cs typeface="Tahoma" pitchFamily="34" charset="0"/>
+              </a:rPr>
+              <a:t>/</a:t>
+            </a:r>
+            <a:r>
+              <a:rPr lang="en-US" sz="2800" spc="-1" dirty="0" err="1">
+                <a:latin typeface="Tahoma" pitchFamily="34" charset="0"/>
+                <a:ea typeface="Tahoma" pitchFamily="34" charset="0"/>
+                <a:cs typeface="Tahoma" pitchFamily="34" charset="0"/>
+              </a:rPr>
+              <a:t>vortexgpgpu</a:t>
+            </a:r>
+            <a:r>
+              <a:rPr lang="en-US" sz="2800" spc="-1" dirty="0">
+                <a:latin typeface="Tahoma" pitchFamily="34" charset="0"/>
+                <a:ea typeface="Tahoma" pitchFamily="34" charset="0"/>
+                <a:cs typeface="Tahoma" pitchFamily="34" charset="0"/>
+              </a:rPr>
+              <a:t>/</a:t>
+            </a:r>
+            <a:r>
+              <a:rPr lang="en-US" sz="2800" spc="-1" dirty="0" err="1">
+                <a:latin typeface="Tahoma" pitchFamily="34" charset="0"/>
+                <a:ea typeface="Tahoma" pitchFamily="34" charset="0"/>
+                <a:cs typeface="Tahoma" pitchFamily="34" charset="0"/>
+              </a:rPr>
+              <a:t>vortex_tutorials.git</a:t>
+            </a:r>
+            <a:endParaRPr lang="en-US" sz="2800" spc="-1" dirty="0">
+              <a:latin typeface="Tahoma" pitchFamily="34" charset="0"/>
+              <a:ea typeface="Tahoma" pitchFamily="34" charset="0"/>
+              <a:cs typeface="Tahoma" pitchFamily="34" charset="0"/>
+            </a:endParaRPr>
           </a:p>
           <a:p>
             <a:pPr>
@@ -10247,7 +12297,7 @@
                 <a:spcPts val="499"/>
               </a:spcBef>
             </a:pPr>
-            <a:endParaRPr lang="en-US" sz="2800" spc="-1">
+            <a:endParaRPr lang="en-US" sz="2800" spc="-1" dirty="0">
               <a:latin typeface="Tahoma" pitchFamily="34" charset="0"/>
               <a:ea typeface="Tahoma" pitchFamily="34" charset="0"/>
               <a:cs typeface="Tahoma" pitchFamily="34" charset="0"/>
@@ -12797,14 +14847,12 @@
 </file>
 
 <file path=customXml/item1.xml><?xml version="1.0" encoding="utf-8"?>
-<p:properties xmlns:p="http://schemas.microsoft.com/office/2006/metadata/properties" xmlns:xsi="http://www.w3.org/2001/XMLSchema-instance" xmlns:pc="http://schemas.microsoft.com/office/infopath/2007/PartnerControls">
-  <documentManagement>
-    <TaxCatchAll xmlns="703aaed8-5f35-4ebd-8684-7d64e521d80b" xsi:nil="true"/>
-    <lcf76f155ced4ddcb4097134ff3c332f xmlns="f01fee57-14a4-4fb3-a7a7-17af854556b0">
-      <Terms xmlns="http://schemas.microsoft.com/office/infopath/2007/PartnerControls"/>
-    </lcf76f155ced4ddcb4097134ff3c332f>
-  </documentManagement>
-</p:properties>
+<?mso-contentType ?>
+<FormTemplates xmlns="http://schemas.microsoft.com/sharepoint/v3/contenttype/forms">
+  <Display>DocumentLibraryForm</Display>
+  <Edit>DocumentLibraryForm</Edit>
+  <New>DocumentLibraryForm</New>
+</FormTemplates>
 </file>
 
 <file path=customXml/item2.xml><?xml version="1.0" encoding="utf-8"?>
@@ -13051,27 +15099,20 @@
 </file>
 
 <file path=customXml/item3.xml><?xml version="1.0" encoding="utf-8"?>
-<?mso-contentType ?>
-<FormTemplates xmlns="http://schemas.microsoft.com/sharepoint/v3/contenttype/forms">
-  <Display>DocumentLibraryForm</Display>
-  <Edit>DocumentLibraryForm</Edit>
-  <New>DocumentLibraryForm</New>
-</FormTemplates>
+<p:properties xmlns:p="http://schemas.microsoft.com/office/2006/metadata/properties" xmlns:xsi="http://www.w3.org/2001/XMLSchema-instance" xmlns:pc="http://schemas.microsoft.com/office/infopath/2007/PartnerControls">
+  <documentManagement>
+    <TaxCatchAll xmlns="703aaed8-5f35-4ebd-8684-7d64e521d80b" xsi:nil="true"/>
+    <lcf76f155ced4ddcb4097134ff3c332f xmlns="f01fee57-14a4-4fb3-a7a7-17af854556b0">
+      <Terms xmlns="http://schemas.microsoft.com/office/infopath/2007/PartnerControls"/>
+    </lcf76f155ced4ddcb4097134ff3c332f>
+  </documentManagement>
+</p:properties>
 </file>
 
 <file path=customXml/itemProps1.xml><?xml version="1.0" encoding="utf-8"?>
-<ds:datastoreItem xmlns:ds="http://schemas.openxmlformats.org/officeDocument/2006/customXml" ds:itemID="{F490C945-F1B7-4779-BEC7-ED0B92E3F580}">
+<ds:datastoreItem xmlns:ds="http://schemas.openxmlformats.org/officeDocument/2006/customXml" ds:itemID="{4B4190E1-A4BE-4E3B-BAD3-91C7CFB4A996}">
   <ds:schemaRefs>
-    <ds:schemaRef ds:uri="http://purl.org/dc/dcmitype/"/>
-    <ds:schemaRef ds:uri="703aaed8-5f35-4ebd-8684-7d64e521d80b"/>
-    <ds:schemaRef ds:uri="f01fee57-14a4-4fb3-a7a7-17af854556b0"/>
-    <ds:schemaRef ds:uri="http://schemas.microsoft.com/office/2006/documentManagement/types"/>
-    <ds:schemaRef ds:uri="http://schemas.microsoft.com/office/infopath/2007/PartnerControls"/>
-    <ds:schemaRef ds:uri="http://www.w3.org/XML/1998/namespace"/>
-    <ds:schemaRef ds:uri="http://purl.org/dc/terms/"/>
-    <ds:schemaRef ds:uri="http://purl.org/dc/elements/1.1/"/>
-    <ds:schemaRef ds:uri="http://schemas.openxmlformats.org/package/2006/metadata/core-properties"/>
-    <ds:schemaRef ds:uri="http://schemas.microsoft.com/office/2006/metadata/properties"/>
+    <ds:schemaRef ds:uri="http://schemas.microsoft.com/sharepoint/v3/contenttype/forms"/>
   </ds:schemaRefs>
 </ds:datastoreItem>
 </file>
@@ -13096,9 +15137,18 @@
 </file>
 
 <file path=customXml/itemProps3.xml><?xml version="1.0" encoding="utf-8"?>
-<ds:datastoreItem xmlns:ds="http://schemas.openxmlformats.org/officeDocument/2006/customXml" ds:itemID="{4B4190E1-A4BE-4E3B-BAD3-91C7CFB4A996}">
+<ds:datastoreItem xmlns:ds="http://schemas.openxmlformats.org/officeDocument/2006/customXml" ds:itemID="{F490C945-F1B7-4779-BEC7-ED0B92E3F580}">
   <ds:schemaRefs>
-    <ds:schemaRef ds:uri="http://schemas.microsoft.com/sharepoint/v3/contenttype/forms"/>
+    <ds:schemaRef ds:uri="http://purl.org/dc/dcmitype/"/>
+    <ds:schemaRef ds:uri="703aaed8-5f35-4ebd-8684-7d64e521d80b"/>
+    <ds:schemaRef ds:uri="f01fee57-14a4-4fb3-a7a7-17af854556b0"/>
+    <ds:schemaRef ds:uri="http://schemas.microsoft.com/office/2006/documentManagement/types"/>
+    <ds:schemaRef ds:uri="http://schemas.microsoft.com/office/infopath/2007/PartnerControls"/>
+    <ds:schemaRef ds:uri="http://www.w3.org/XML/1998/namespace"/>
+    <ds:schemaRef ds:uri="http://purl.org/dc/terms/"/>
+    <ds:schemaRef ds:uri="http://purl.org/dc/elements/1.1/"/>
+    <ds:schemaRef ds:uri="http://schemas.openxmlformats.org/package/2006/metadata/core-properties"/>
+    <ds:schemaRef ds:uri="http://schemas.microsoft.com/office/2006/metadata/properties"/>
   </ds:schemaRefs>
 </ds:datastoreItem>
 </file>